--- a/同路人.pptx
+++ b/同路人.pptx
@@ -5,10 +5,23 @@
     <p:sldMasterId id="2147483660" r:id="rId1"/>
   </p:sldMasterIdLst>
   <p:sldIdLst>
-    <p:sldId id="256" r:id="rId2"/>
+    <p:sldId id="258" r:id="rId2"/>
     <p:sldId id="257" r:id="rId3"/>
-    <p:sldId id="258" r:id="rId4"/>
-    <p:sldId id="259" r:id="rId5"/>
+    <p:sldId id="259" r:id="rId4"/>
+    <p:sldId id="260" r:id="rId5"/>
+    <p:sldId id="261" r:id="rId6"/>
+    <p:sldId id="262" r:id="rId7"/>
+    <p:sldId id="263" r:id="rId8"/>
+    <p:sldId id="264" r:id="rId9"/>
+    <p:sldId id="265" r:id="rId10"/>
+    <p:sldId id="266" r:id="rId11"/>
+    <p:sldId id="267" r:id="rId12"/>
+    <p:sldId id="268" r:id="rId13"/>
+    <p:sldId id="269" r:id="rId14"/>
+    <p:sldId id="270" r:id="rId15"/>
+    <p:sldId id="271" r:id="rId16"/>
+    <p:sldId id="272" r:id="rId17"/>
+    <p:sldId id="273" r:id="rId18"/>
   </p:sldIdLst>
   <p:sldSz cx="12192000" cy="6858000"/>
   <p:notesSz cx="6858000" cy="9144000"/>
@@ -107,11 +120,6 @@
       </a:defRPr>
     </a:lvl9pPr>
   </p:defaultTextStyle>
-  <p:extLst>
-    <p:ext uri="{EFAFB233-063F-42B5-8137-9DF3F51BA10A}">
-      <p15:sldGuideLst xmlns:p15="http://schemas.microsoft.com/office/powerpoint/2012/main"/>
-    </p:ext>
-  </p:extLst>
 </p:presentation>
 </file>
 
@@ -294,7 +302,7 @@
           <a:bodyPr/>
           <a:lstStyle/>
           <a:p>
-            <a:fld id="{DB30EA0A-381C-48E6-B6CA-D0ACBA2477B6}" type="datetimeFigureOut">
+            <a:fld id="{84BF8383-1FD8-4FD7-A709-3FB18DE9DC42}" type="datetimeFigureOut">
               <a:rPr lang="vi-VN" smtClean="0"/>
               <a:t>08/10/2020</a:t>
             </a:fld>
@@ -336,7 +344,7 @@
           <a:bodyPr/>
           <a:lstStyle/>
           <a:p>
-            <a:fld id="{88D1571B-2E4F-47CD-A5A4-916B87953734}" type="slidenum">
+            <a:fld id="{16BB4E1F-5B9D-45C9-9068-35B6DAC7D5DC}" type="slidenum">
               <a:rPr lang="vi-VN" smtClean="0"/>
               <a:t>‹#›</a:t>
             </a:fld>
@@ -347,7 +355,7 @@
     </p:spTree>
     <p:extLst>
       <p:ext uri="{BB962C8B-B14F-4D97-AF65-F5344CB8AC3E}">
-        <p14:creationId xmlns:p14="http://schemas.microsoft.com/office/powerpoint/2010/main" val="3826542528"/>
+        <p14:creationId xmlns:p14="http://schemas.microsoft.com/office/powerpoint/2010/main" val="858490335"/>
       </p:ext>
     </p:extLst>
   </p:cSld>
@@ -464,7 +472,7 @@
           <a:bodyPr/>
           <a:lstStyle/>
           <a:p>
-            <a:fld id="{DB30EA0A-381C-48E6-B6CA-D0ACBA2477B6}" type="datetimeFigureOut">
+            <a:fld id="{84BF8383-1FD8-4FD7-A709-3FB18DE9DC42}" type="datetimeFigureOut">
               <a:rPr lang="vi-VN" smtClean="0"/>
               <a:t>08/10/2020</a:t>
             </a:fld>
@@ -506,7 +514,7 @@
           <a:bodyPr/>
           <a:lstStyle/>
           <a:p>
-            <a:fld id="{88D1571B-2E4F-47CD-A5A4-916B87953734}" type="slidenum">
+            <a:fld id="{16BB4E1F-5B9D-45C9-9068-35B6DAC7D5DC}" type="slidenum">
               <a:rPr lang="vi-VN" smtClean="0"/>
               <a:t>‹#›</a:t>
             </a:fld>
@@ -517,7 +525,7 @@
     </p:spTree>
     <p:extLst>
       <p:ext uri="{BB962C8B-B14F-4D97-AF65-F5344CB8AC3E}">
-        <p14:creationId xmlns:p14="http://schemas.microsoft.com/office/powerpoint/2010/main" val="488829556"/>
+        <p14:creationId xmlns:p14="http://schemas.microsoft.com/office/powerpoint/2010/main" val="767479700"/>
       </p:ext>
     </p:extLst>
   </p:cSld>
@@ -644,7 +652,7 @@
           <a:bodyPr/>
           <a:lstStyle/>
           <a:p>
-            <a:fld id="{DB30EA0A-381C-48E6-B6CA-D0ACBA2477B6}" type="datetimeFigureOut">
+            <a:fld id="{84BF8383-1FD8-4FD7-A709-3FB18DE9DC42}" type="datetimeFigureOut">
               <a:rPr lang="vi-VN" smtClean="0"/>
               <a:t>08/10/2020</a:t>
             </a:fld>
@@ -686,7 +694,7 @@
           <a:bodyPr/>
           <a:lstStyle/>
           <a:p>
-            <a:fld id="{88D1571B-2E4F-47CD-A5A4-916B87953734}" type="slidenum">
+            <a:fld id="{16BB4E1F-5B9D-45C9-9068-35B6DAC7D5DC}" type="slidenum">
               <a:rPr lang="vi-VN" smtClean="0"/>
               <a:t>‹#›</a:t>
             </a:fld>
@@ -697,7 +705,7 @@
     </p:spTree>
     <p:extLst>
       <p:ext uri="{BB962C8B-B14F-4D97-AF65-F5344CB8AC3E}">
-        <p14:creationId xmlns:p14="http://schemas.microsoft.com/office/powerpoint/2010/main" val="2731984606"/>
+        <p14:creationId xmlns:p14="http://schemas.microsoft.com/office/powerpoint/2010/main" val="1222284727"/>
       </p:ext>
     </p:extLst>
   </p:cSld>
@@ -814,7 +822,7 @@
           <a:bodyPr/>
           <a:lstStyle/>
           <a:p>
-            <a:fld id="{DB30EA0A-381C-48E6-B6CA-D0ACBA2477B6}" type="datetimeFigureOut">
+            <a:fld id="{84BF8383-1FD8-4FD7-A709-3FB18DE9DC42}" type="datetimeFigureOut">
               <a:rPr lang="vi-VN" smtClean="0"/>
               <a:t>08/10/2020</a:t>
             </a:fld>
@@ -856,7 +864,7 @@
           <a:bodyPr/>
           <a:lstStyle/>
           <a:p>
-            <a:fld id="{88D1571B-2E4F-47CD-A5A4-916B87953734}" type="slidenum">
+            <a:fld id="{16BB4E1F-5B9D-45C9-9068-35B6DAC7D5DC}" type="slidenum">
               <a:rPr lang="vi-VN" smtClean="0"/>
               <a:t>‹#›</a:t>
             </a:fld>
@@ -867,7 +875,7 @@
     </p:spTree>
     <p:extLst>
       <p:ext uri="{BB962C8B-B14F-4D97-AF65-F5344CB8AC3E}">
-        <p14:creationId xmlns:p14="http://schemas.microsoft.com/office/powerpoint/2010/main" val="2103801482"/>
+        <p14:creationId xmlns:p14="http://schemas.microsoft.com/office/powerpoint/2010/main" val="1235531882"/>
       </p:ext>
     </p:extLst>
   </p:cSld>
@@ -1060,7 +1068,7 @@
           <a:bodyPr/>
           <a:lstStyle/>
           <a:p>
-            <a:fld id="{DB30EA0A-381C-48E6-B6CA-D0ACBA2477B6}" type="datetimeFigureOut">
+            <a:fld id="{84BF8383-1FD8-4FD7-A709-3FB18DE9DC42}" type="datetimeFigureOut">
               <a:rPr lang="vi-VN" smtClean="0"/>
               <a:t>08/10/2020</a:t>
             </a:fld>
@@ -1102,7 +1110,7 @@
           <a:bodyPr/>
           <a:lstStyle/>
           <a:p>
-            <a:fld id="{88D1571B-2E4F-47CD-A5A4-916B87953734}" type="slidenum">
+            <a:fld id="{16BB4E1F-5B9D-45C9-9068-35B6DAC7D5DC}" type="slidenum">
               <a:rPr lang="vi-VN" smtClean="0"/>
               <a:t>‹#›</a:t>
             </a:fld>
@@ -1113,7 +1121,7 @@
     </p:spTree>
     <p:extLst>
       <p:ext uri="{BB962C8B-B14F-4D97-AF65-F5344CB8AC3E}">
-        <p14:creationId xmlns:p14="http://schemas.microsoft.com/office/powerpoint/2010/main" val="152178006"/>
+        <p14:creationId xmlns:p14="http://schemas.microsoft.com/office/powerpoint/2010/main" val="2008049572"/>
       </p:ext>
     </p:extLst>
   </p:cSld>
@@ -1348,7 +1356,7 @@
           <a:bodyPr/>
           <a:lstStyle/>
           <a:p>
-            <a:fld id="{DB30EA0A-381C-48E6-B6CA-D0ACBA2477B6}" type="datetimeFigureOut">
+            <a:fld id="{84BF8383-1FD8-4FD7-A709-3FB18DE9DC42}" type="datetimeFigureOut">
               <a:rPr lang="vi-VN" smtClean="0"/>
               <a:t>08/10/2020</a:t>
             </a:fld>
@@ -1390,7 +1398,7 @@
           <a:bodyPr/>
           <a:lstStyle/>
           <a:p>
-            <a:fld id="{88D1571B-2E4F-47CD-A5A4-916B87953734}" type="slidenum">
+            <a:fld id="{16BB4E1F-5B9D-45C9-9068-35B6DAC7D5DC}" type="slidenum">
               <a:rPr lang="vi-VN" smtClean="0"/>
               <a:t>‹#›</a:t>
             </a:fld>
@@ -1401,7 +1409,7 @@
     </p:spTree>
     <p:extLst>
       <p:ext uri="{BB962C8B-B14F-4D97-AF65-F5344CB8AC3E}">
-        <p14:creationId xmlns:p14="http://schemas.microsoft.com/office/powerpoint/2010/main" val="1096558894"/>
+        <p14:creationId xmlns:p14="http://schemas.microsoft.com/office/powerpoint/2010/main" val="4022009689"/>
       </p:ext>
     </p:extLst>
   </p:cSld>
@@ -1770,7 +1778,7 @@
           <a:bodyPr/>
           <a:lstStyle/>
           <a:p>
-            <a:fld id="{DB30EA0A-381C-48E6-B6CA-D0ACBA2477B6}" type="datetimeFigureOut">
+            <a:fld id="{84BF8383-1FD8-4FD7-A709-3FB18DE9DC42}" type="datetimeFigureOut">
               <a:rPr lang="vi-VN" smtClean="0"/>
               <a:t>08/10/2020</a:t>
             </a:fld>
@@ -1812,7 +1820,7 @@
           <a:bodyPr/>
           <a:lstStyle/>
           <a:p>
-            <a:fld id="{88D1571B-2E4F-47CD-A5A4-916B87953734}" type="slidenum">
+            <a:fld id="{16BB4E1F-5B9D-45C9-9068-35B6DAC7D5DC}" type="slidenum">
               <a:rPr lang="vi-VN" smtClean="0"/>
               <a:t>‹#›</a:t>
             </a:fld>
@@ -1823,7 +1831,7 @@
     </p:spTree>
     <p:extLst>
       <p:ext uri="{BB962C8B-B14F-4D97-AF65-F5344CB8AC3E}">
-        <p14:creationId xmlns:p14="http://schemas.microsoft.com/office/powerpoint/2010/main" val="522706115"/>
+        <p14:creationId xmlns:p14="http://schemas.microsoft.com/office/powerpoint/2010/main" val="2277628866"/>
       </p:ext>
     </p:extLst>
   </p:cSld>
@@ -1888,7 +1896,7 @@
           <a:bodyPr/>
           <a:lstStyle/>
           <a:p>
-            <a:fld id="{DB30EA0A-381C-48E6-B6CA-D0ACBA2477B6}" type="datetimeFigureOut">
+            <a:fld id="{84BF8383-1FD8-4FD7-A709-3FB18DE9DC42}" type="datetimeFigureOut">
               <a:rPr lang="vi-VN" smtClean="0"/>
               <a:t>08/10/2020</a:t>
             </a:fld>
@@ -1930,7 +1938,7 @@
           <a:bodyPr/>
           <a:lstStyle/>
           <a:p>
-            <a:fld id="{88D1571B-2E4F-47CD-A5A4-916B87953734}" type="slidenum">
+            <a:fld id="{16BB4E1F-5B9D-45C9-9068-35B6DAC7D5DC}" type="slidenum">
               <a:rPr lang="vi-VN" smtClean="0"/>
               <a:t>‹#›</a:t>
             </a:fld>
@@ -1941,7 +1949,7 @@
     </p:spTree>
     <p:extLst>
       <p:ext uri="{BB962C8B-B14F-4D97-AF65-F5344CB8AC3E}">
-        <p14:creationId xmlns:p14="http://schemas.microsoft.com/office/powerpoint/2010/main" val="3409604552"/>
+        <p14:creationId xmlns:p14="http://schemas.microsoft.com/office/powerpoint/2010/main" val="2283060725"/>
       </p:ext>
     </p:extLst>
   </p:cSld>
@@ -1983,7 +1991,7 @@
           <a:bodyPr/>
           <a:lstStyle/>
           <a:p>
-            <a:fld id="{DB30EA0A-381C-48E6-B6CA-D0ACBA2477B6}" type="datetimeFigureOut">
+            <a:fld id="{84BF8383-1FD8-4FD7-A709-3FB18DE9DC42}" type="datetimeFigureOut">
               <a:rPr lang="vi-VN" smtClean="0"/>
               <a:t>08/10/2020</a:t>
             </a:fld>
@@ -2025,7 +2033,7 @@
           <a:bodyPr/>
           <a:lstStyle/>
           <a:p>
-            <a:fld id="{88D1571B-2E4F-47CD-A5A4-916B87953734}" type="slidenum">
+            <a:fld id="{16BB4E1F-5B9D-45C9-9068-35B6DAC7D5DC}" type="slidenum">
               <a:rPr lang="vi-VN" smtClean="0"/>
               <a:t>‹#›</a:t>
             </a:fld>
@@ -2036,7 +2044,7 @@
     </p:spTree>
     <p:extLst>
       <p:ext uri="{BB962C8B-B14F-4D97-AF65-F5344CB8AC3E}">
-        <p14:creationId xmlns:p14="http://schemas.microsoft.com/office/powerpoint/2010/main" val="2712509416"/>
+        <p14:creationId xmlns:p14="http://schemas.microsoft.com/office/powerpoint/2010/main" val="2910142524"/>
       </p:ext>
     </p:extLst>
   </p:cSld>
@@ -2260,7 +2268,7 @@
           <a:bodyPr/>
           <a:lstStyle/>
           <a:p>
-            <a:fld id="{DB30EA0A-381C-48E6-B6CA-D0ACBA2477B6}" type="datetimeFigureOut">
+            <a:fld id="{84BF8383-1FD8-4FD7-A709-3FB18DE9DC42}" type="datetimeFigureOut">
               <a:rPr lang="vi-VN" smtClean="0"/>
               <a:t>08/10/2020</a:t>
             </a:fld>
@@ -2302,7 +2310,7 @@
           <a:bodyPr/>
           <a:lstStyle/>
           <a:p>
-            <a:fld id="{88D1571B-2E4F-47CD-A5A4-916B87953734}" type="slidenum">
+            <a:fld id="{16BB4E1F-5B9D-45C9-9068-35B6DAC7D5DC}" type="slidenum">
               <a:rPr lang="vi-VN" smtClean="0"/>
               <a:t>‹#›</a:t>
             </a:fld>
@@ -2313,7 +2321,7 @@
     </p:spTree>
     <p:extLst>
       <p:ext uri="{BB962C8B-B14F-4D97-AF65-F5344CB8AC3E}">
-        <p14:creationId xmlns:p14="http://schemas.microsoft.com/office/powerpoint/2010/main" val="1320889476"/>
+        <p14:creationId xmlns:p14="http://schemas.microsoft.com/office/powerpoint/2010/main" val="3453473969"/>
       </p:ext>
     </p:extLst>
   </p:cSld>
@@ -2517,7 +2525,7 @@
           <a:bodyPr/>
           <a:lstStyle/>
           <a:p>
-            <a:fld id="{DB30EA0A-381C-48E6-B6CA-D0ACBA2477B6}" type="datetimeFigureOut">
+            <a:fld id="{84BF8383-1FD8-4FD7-A709-3FB18DE9DC42}" type="datetimeFigureOut">
               <a:rPr lang="vi-VN" smtClean="0"/>
               <a:t>08/10/2020</a:t>
             </a:fld>
@@ -2559,7 +2567,7 @@
           <a:bodyPr/>
           <a:lstStyle/>
           <a:p>
-            <a:fld id="{88D1571B-2E4F-47CD-A5A4-916B87953734}" type="slidenum">
+            <a:fld id="{16BB4E1F-5B9D-45C9-9068-35B6DAC7D5DC}" type="slidenum">
               <a:rPr lang="vi-VN" smtClean="0"/>
               <a:t>‹#›</a:t>
             </a:fld>
@@ -2570,7 +2578,7 @@
     </p:spTree>
     <p:extLst>
       <p:ext uri="{BB962C8B-B14F-4D97-AF65-F5344CB8AC3E}">
-        <p14:creationId xmlns:p14="http://schemas.microsoft.com/office/powerpoint/2010/main" val="1234657441"/>
+        <p14:creationId xmlns:p14="http://schemas.microsoft.com/office/powerpoint/2010/main" val="427325636"/>
       </p:ext>
     </p:extLst>
   </p:cSld>
@@ -2586,9 +2594,14 @@
     <p:bg>
       <p:bgPr>
         <a:blipFill dpi="0" rotWithShape="1">
-          <a:blip r:embed="rId13"/>
+          <a:blip r:embed="rId13">
+            <a:alphaModFix amt="50000"/>
+            <a:lum/>
+          </a:blip>
           <a:srcRect/>
-          <a:tile tx="0" ty="0" sx="100000" sy="100000" flip="none" algn="tl"/>
+          <a:stretch>
+            <a:fillRect t="-9000" b="-9000"/>
+          </a:stretch>
         </a:blipFill>
         <a:effectLst/>
       </p:bgPr>
@@ -2735,7 +2748,7 @@
             </a:lvl1pPr>
           </a:lstStyle>
           <a:p>
-            <a:fld id="{DB30EA0A-381C-48E6-B6CA-D0ACBA2477B6}" type="datetimeFigureOut">
+            <a:fld id="{84BF8383-1FD8-4FD7-A709-3FB18DE9DC42}" type="datetimeFigureOut">
               <a:rPr lang="vi-VN" smtClean="0"/>
               <a:t>08/10/2020</a:t>
             </a:fld>
@@ -2813,7 +2826,7 @@
             </a:lvl1pPr>
           </a:lstStyle>
           <a:p>
-            <a:fld id="{88D1571B-2E4F-47CD-A5A4-916B87953734}" type="slidenum">
+            <a:fld id="{16BB4E1F-5B9D-45C9-9068-35B6DAC7D5DC}" type="slidenum">
               <a:rPr lang="vi-VN" smtClean="0"/>
               <a:t>‹#›</a:t>
             </a:fld>
@@ -2824,7 +2837,7 @@
     </p:spTree>
     <p:extLst>
       <p:ext uri="{BB962C8B-B14F-4D97-AF65-F5344CB8AC3E}">
-        <p14:creationId xmlns:p14="http://schemas.microsoft.com/office/powerpoint/2010/main" val="4208249605"/>
+        <p14:creationId xmlns:p14="http://schemas.microsoft.com/office/powerpoint/2010/main" val="3689019418"/>
       </p:ext>
     </p:extLst>
   </p:cSld>
@@ -3114,247 +3127,1339 @@
       </p:grpSpPr>
       <p:sp>
         <p:nvSpPr>
-          <p:cNvPr id="4" name="Title 3"/>
-          <p:cNvSpPr>
-            <a:spLocks noGrp="1"/>
-          </p:cNvSpPr>
-          <p:nvPr>
-            <p:ph type="title"/>
-          </p:nvPr>
-        </p:nvSpPr>
-        <p:spPr/>
-        <p:txBody>
-          <a:bodyPr>
+          <p:cNvPr id="5" name="內容版面配置區 4"/>
+          <p:cNvSpPr>
+            <a:spLocks noGrp="1"/>
+          </p:cNvSpPr>
+          <p:nvPr>
+            <p:ph idx="1"/>
+          </p:nvPr>
+        </p:nvSpPr>
+        <p:spPr>
+          <a:xfrm>
+            <a:off x="0" y="2084851"/>
+            <a:ext cx="12192000" cy="2404863"/>
+          </a:xfrm>
+        </p:spPr>
+        <p:txBody>
+          <a:bodyPr anchor="ctr">
             <a:normAutofit/>
           </a:bodyPr>
           <a:lstStyle/>
           <a:p>
-            <a:r>
-              <a:rPr lang="zh-CN" altLang="en-US" sz="4800" b="1" dirty="0">
-                <a:latin typeface="Microsoft JhengHei" panose="020B0604030504040204" pitchFamily="34" charset="-120"/>
-                <a:ea typeface="Microsoft JhengHei" panose="020B0604030504040204" pitchFamily="34" charset="-120"/>
+            <a:pPr algn="ctr">
+              <a:buNone/>
+            </a:pPr>
+            <a:r>
+              <a:rPr lang="zh-CN" altLang="en-US" sz="9600" b="1" dirty="0">
+                <a:solidFill>
+                  <a:srgbClr val="002060"/>
+                </a:solidFill>
+                <a:effectLst>
+                  <a:outerShdw blurRad="38100" dist="38100" dir="2700000" algn="tl">
+                    <a:srgbClr val="000000">
+                      <a:alpha val="43137"/>
+                    </a:srgbClr>
+                  </a:outerShdw>
+                </a:effectLst>
+                <a:latin typeface="微軟正黑體" pitchFamily="34" charset="-120"/>
+                <a:ea typeface="微軟正黑體" pitchFamily="34" charset="-120"/>
               </a:rPr>
               <a:t>同路人</a:t>
             </a:r>
-            <a:endParaRPr lang="vi-VN" sz="4800" b="1" dirty="0">
-              <a:ea typeface="Microsoft JhengHei" panose="020B0604030504040204" pitchFamily="34" charset="-120"/>
+            <a:endParaRPr lang="zh-TW" altLang="en-US" sz="9600" b="1" dirty="0">
+              <a:solidFill>
+                <a:srgbClr val="002060"/>
+              </a:solidFill>
+              <a:effectLst>
+                <a:outerShdw blurRad="38100" dist="38100" dir="2700000" algn="tl">
+                  <a:srgbClr val="000000">
+                    <a:alpha val="43137"/>
+                  </a:srgbClr>
+                </a:outerShdw>
+              </a:effectLst>
+              <a:latin typeface="微軟正黑體" pitchFamily="34" charset="-120"/>
+              <a:ea typeface="微軟正黑體" pitchFamily="34" charset="-120"/>
             </a:endParaRPr>
-          </a:p>
-        </p:txBody>
-      </p:sp>
-      <p:sp>
-        <p:nvSpPr>
-          <p:cNvPr id="5" name="Content Placeholder 4"/>
-          <p:cNvSpPr>
-            <a:spLocks noGrp="1"/>
-          </p:cNvSpPr>
-          <p:nvPr>
-            <p:ph idx="1"/>
-          </p:nvPr>
-        </p:nvSpPr>
-        <p:spPr/>
-        <p:txBody>
-          <a:bodyPr>
-            <a:normAutofit/>
-          </a:bodyPr>
-          <a:lstStyle/>
-          <a:p>
-            <a:pPr marL="0" indent="0" algn="ctr">
-              <a:buNone/>
-            </a:pPr>
-            <a:r>
-              <a:rPr lang="zh-TW" altLang="en-US" sz="5400" b="1" dirty="0">
-                <a:latin typeface="Microsoft JhengHei" panose="020B0604030504040204" pitchFamily="34" charset="-120"/>
-                <a:ea typeface="Microsoft JhengHei" panose="020B0604030504040204" pitchFamily="34" charset="-120"/>
-              </a:rPr>
-              <a:t>念那天起</a:t>
-            </a:r>
-            <a:r>
-              <a:rPr lang="zh-TW" altLang="en-US" sz="5400" b="1" dirty="0" smtClean="0">
-                <a:latin typeface="Microsoft JhengHei" panose="020B0604030504040204" pitchFamily="34" charset="-120"/>
-                <a:ea typeface="Microsoft JhengHei" panose="020B0604030504040204" pitchFamily="34" charset="-120"/>
-              </a:rPr>
-              <a:t>步  懷</a:t>
-            </a:r>
-            <a:r>
-              <a:rPr lang="zh-TW" altLang="en-US" sz="5400" b="1" dirty="0">
-                <a:latin typeface="Microsoft JhengHei" panose="020B0604030504040204" pitchFamily="34" charset="-120"/>
-                <a:ea typeface="Microsoft JhengHei" panose="020B0604030504040204" pitchFamily="34" charset="-120"/>
-              </a:rPr>
-              <a:t>內滿掙</a:t>
-            </a:r>
-            <a:r>
-              <a:rPr lang="zh-TW" altLang="en-US" sz="5400" b="1" dirty="0" smtClean="0">
-                <a:latin typeface="Microsoft JhengHei" panose="020B0604030504040204" pitchFamily="34" charset="-120"/>
-                <a:ea typeface="Microsoft JhengHei" panose="020B0604030504040204" pitchFamily="34" charset="-120"/>
-              </a:rPr>
-              <a:t>扎</a:t>
-            </a:r>
-            <a:endParaRPr lang="en-US" altLang="zh-TW" sz="5400" b="1" dirty="0" smtClean="0">
-              <a:latin typeface="Microsoft JhengHei" panose="020B0604030504040204" pitchFamily="34" charset="-120"/>
-              <a:ea typeface="Microsoft JhengHei" panose="020B0604030504040204" pitchFamily="34" charset="-120"/>
-            </a:endParaRPr>
-          </a:p>
-          <a:p>
-            <a:pPr marL="0" indent="0" algn="ctr">
-              <a:buNone/>
-            </a:pPr>
-            <a:r>
-              <a:rPr lang="zh-TW" altLang="en-US" sz="5400" b="1" dirty="0" smtClean="0">
-                <a:latin typeface="Microsoft JhengHei" panose="020B0604030504040204" pitchFamily="34" charset="-120"/>
-                <a:ea typeface="Microsoft JhengHei" panose="020B0604030504040204" pitchFamily="34" charset="-120"/>
-              </a:rPr>
-              <a:t>誰</a:t>
-            </a:r>
-            <a:r>
-              <a:rPr lang="zh-TW" altLang="en-US" sz="5400" b="1" dirty="0">
-                <a:latin typeface="Microsoft JhengHei" panose="020B0604030504040204" pitchFamily="34" charset="-120"/>
-                <a:ea typeface="Microsoft JhengHei" panose="020B0604030504040204" pitchFamily="34" charset="-120"/>
-              </a:rPr>
-              <a:t>料覓真</a:t>
-            </a:r>
-            <a:r>
-              <a:rPr lang="zh-TW" altLang="en-US" sz="5400" b="1" dirty="0" smtClean="0">
-                <a:latin typeface="Microsoft JhengHei" panose="020B0604030504040204" pitchFamily="34" charset="-120"/>
-                <a:ea typeface="Microsoft JhengHei" panose="020B0604030504040204" pitchFamily="34" charset="-120"/>
-              </a:rPr>
-              <a:t>理  路</a:t>
-            </a:r>
-            <a:r>
-              <a:rPr lang="zh-TW" altLang="en-US" sz="5400" b="1" dirty="0">
-                <a:latin typeface="Microsoft JhengHei" panose="020B0604030504040204" pitchFamily="34" charset="-120"/>
-                <a:ea typeface="Microsoft JhengHei" panose="020B0604030504040204" pitchFamily="34" charset="-120"/>
-              </a:rPr>
-              <a:t>遠又險</a:t>
-            </a:r>
-            <a:r>
-              <a:rPr lang="zh-TW" altLang="en-US" sz="5400" b="1" dirty="0" smtClean="0">
-                <a:latin typeface="Microsoft JhengHei" panose="020B0604030504040204" pitchFamily="34" charset="-120"/>
-                <a:ea typeface="Microsoft JhengHei" panose="020B0604030504040204" pitchFamily="34" charset="-120"/>
-              </a:rPr>
-              <a:t>窄</a:t>
-            </a:r>
-            <a:endParaRPr lang="en-US" altLang="zh-TW" sz="5400" b="1" dirty="0">
-              <a:latin typeface="Microsoft JhengHei" panose="020B0604030504040204" pitchFamily="34" charset="-120"/>
-              <a:ea typeface="Microsoft JhengHei" panose="020B0604030504040204" pitchFamily="34" charset="-120"/>
-            </a:endParaRPr>
-          </a:p>
-          <a:p>
-            <a:pPr marL="0" indent="0" algn="ctr">
-              <a:buNone/>
-            </a:pPr>
-            <a:r>
-              <a:rPr lang="zh-TW" altLang="en-US" sz="5400" b="1" dirty="0" smtClean="0">
-                <a:latin typeface="Microsoft JhengHei" panose="020B0604030504040204" pitchFamily="34" charset="-120"/>
-                <a:ea typeface="Microsoft JhengHei" panose="020B0604030504040204" pitchFamily="34" charset="-120"/>
-              </a:rPr>
-              <a:t>越</a:t>
-            </a:r>
-            <a:r>
-              <a:rPr lang="zh-TW" altLang="en-US" sz="5400" b="1" dirty="0">
-                <a:latin typeface="Microsoft JhengHei" panose="020B0604030504040204" pitchFamily="34" charset="-120"/>
-                <a:ea typeface="Microsoft JhengHei" panose="020B0604030504040204" pitchFamily="34" charset="-120"/>
-              </a:rPr>
-              <a:t>過眾山</a:t>
-            </a:r>
-            <a:r>
-              <a:rPr lang="zh-TW" altLang="en-US" sz="5400" b="1" dirty="0" smtClean="0">
-                <a:latin typeface="Microsoft JhengHei" panose="020B0604030504040204" pitchFamily="34" charset="-120"/>
-                <a:ea typeface="Microsoft JhengHei" panose="020B0604030504040204" pitchFamily="34" charset="-120"/>
-              </a:rPr>
-              <a:t>嶺  還</a:t>
-            </a:r>
-            <a:r>
-              <a:rPr lang="zh-TW" altLang="en-US" sz="5400" b="1" dirty="0">
-                <a:latin typeface="Microsoft JhengHei" panose="020B0604030504040204" pitchFamily="34" charset="-120"/>
-                <a:ea typeface="Microsoft JhengHei" panose="020B0604030504040204" pitchFamily="34" charset="-120"/>
-              </a:rPr>
-              <a:t>望你鞭</a:t>
-            </a:r>
-            <a:r>
-              <a:rPr lang="zh-TW" altLang="en-US" sz="5400" b="1" dirty="0" smtClean="0">
-                <a:latin typeface="Microsoft JhengHei" panose="020B0604030504040204" pitchFamily="34" charset="-120"/>
-                <a:ea typeface="Microsoft JhengHei" panose="020B0604030504040204" pitchFamily="34" charset="-120"/>
-              </a:rPr>
-              <a:t>策</a:t>
-            </a:r>
-            <a:endParaRPr lang="en-US" altLang="zh-TW" sz="5400" b="1" dirty="0" smtClean="0">
-              <a:latin typeface="Microsoft JhengHei" panose="020B0604030504040204" pitchFamily="34" charset="-120"/>
-              <a:ea typeface="Microsoft JhengHei" panose="020B0604030504040204" pitchFamily="34" charset="-120"/>
-            </a:endParaRPr>
-          </a:p>
-          <a:p>
-            <a:pPr marL="0" indent="0" algn="ctr">
-              <a:buNone/>
-            </a:pPr>
-            <a:r>
-              <a:rPr lang="zh-TW" altLang="en-US" sz="5400" b="1" dirty="0" smtClean="0">
-                <a:latin typeface="Microsoft JhengHei" panose="020B0604030504040204" pitchFamily="34" charset="-120"/>
-                <a:ea typeface="Microsoft JhengHei" panose="020B0604030504040204" pitchFamily="34" charset="-120"/>
-              </a:rPr>
-              <a:t>迷</a:t>
-            </a:r>
-            <a:r>
-              <a:rPr lang="zh-TW" altLang="en-US" sz="5400" b="1" dirty="0">
-                <a:latin typeface="Microsoft JhengHei" panose="020B0604030504040204" pitchFamily="34" charset="-120"/>
-                <a:ea typeface="Microsoft JhengHei" panose="020B0604030504040204" pitchFamily="34" charset="-120"/>
-              </a:rPr>
-              <a:t>路我驚</a:t>
-            </a:r>
-            <a:r>
-              <a:rPr lang="zh-TW" altLang="en-US" sz="5400" b="1" dirty="0" smtClean="0">
-                <a:latin typeface="Microsoft JhengHei" panose="020B0604030504040204" pitchFamily="34" charset="-120"/>
-                <a:ea typeface="Microsoft JhengHei" panose="020B0604030504040204" pitchFamily="34" charset="-120"/>
-              </a:rPr>
-              <a:t>慌  盼</a:t>
-            </a:r>
-            <a:r>
-              <a:rPr lang="zh-TW" altLang="en-US" sz="5400" b="1" dirty="0">
-                <a:latin typeface="Microsoft JhengHei" panose="020B0604030504040204" pitchFamily="34" charset="-120"/>
-                <a:ea typeface="Microsoft JhengHei" panose="020B0604030504040204" pitchFamily="34" charset="-120"/>
-              </a:rPr>
-              <a:t>為我導引</a:t>
-            </a:r>
-            <a:endParaRPr lang="vi-VN" sz="5400" b="1" dirty="0">
-              <a:ea typeface="Microsoft JhengHei" panose="020B0604030504040204" pitchFamily="34" charset="-120"/>
-            </a:endParaRPr>
-          </a:p>
-        </p:txBody>
-      </p:sp>
-      <p:sp>
-        <p:nvSpPr>
-          <p:cNvPr id="6" name="TextBox 5"/>
-          <p:cNvSpPr txBox="1"/>
-          <p:nvPr/>
-        </p:nvSpPr>
-        <p:spPr>
-          <a:xfrm>
-            <a:off x="609600" y="1600201"/>
-            <a:ext cx="897467" cy="1015663"/>
-          </a:xfrm>
-          <a:prstGeom prst="rect">
-            <a:avLst/>
-          </a:prstGeom>
-          <a:noFill/>
-        </p:spPr>
-        <p:txBody>
-          <a:bodyPr wrap="square" rtlCol="0">
-            <a:spAutoFit/>
-          </a:bodyPr>
-          <a:lstStyle/>
-          <a:p>
-            <a:r>
-              <a:rPr lang="en-US" sz="6000" b="1" dirty="0" smtClean="0"/>
-              <a:t>1.</a:t>
-            </a:r>
-            <a:endParaRPr lang="vi-VN" sz="6000" b="1" dirty="0"/>
           </a:p>
         </p:txBody>
       </p:sp>
     </p:spTree>
     <p:extLst>
       <p:ext uri="{BB962C8B-B14F-4D97-AF65-F5344CB8AC3E}">
-        <p14:creationId xmlns:p14="http://schemas.microsoft.com/office/powerpoint/2010/main" val="1989355681"/>
+        <p14:creationId xmlns:p14="http://schemas.microsoft.com/office/powerpoint/2010/main" val="1073927666"/>
+      </p:ext>
+    </p:extLst>
+  </p:cSld>
+  <p:clrMapOvr>
+    <a:masterClrMapping/>
+  </p:clrMapOvr>
+</p:sld>
+</file>
+
+<file path=ppt/slides/slide10.xml><?xml version="1.0" encoding="utf-8"?>
+<p:sld xmlns:a="http://schemas.openxmlformats.org/drawingml/2006/main" xmlns:r="http://schemas.openxmlformats.org/officeDocument/2006/relationships" xmlns:p="http://schemas.openxmlformats.org/presentationml/2006/main">
+  <p:cSld>
+    <p:spTree>
+      <p:nvGrpSpPr>
+        <p:cNvPr id="1" name=""/>
+        <p:cNvGrpSpPr/>
+        <p:nvPr/>
+      </p:nvGrpSpPr>
+      <p:grpSpPr>
+        <a:xfrm>
+          <a:off x="0" y="0"/>
+          <a:ext cx="0" cy="0"/>
+          <a:chOff x="0" y="0"/>
+          <a:chExt cx="0" cy="0"/>
+        </a:xfrm>
+      </p:grpSpPr>
+      <p:sp>
+        <p:nvSpPr>
+          <p:cNvPr id="5" name="內容版面配置區 4"/>
+          <p:cNvSpPr>
+            <a:spLocks noGrp="1"/>
+          </p:cNvSpPr>
+          <p:nvPr>
+            <p:ph idx="1"/>
+          </p:nvPr>
+        </p:nvSpPr>
+        <p:spPr>
+          <a:xfrm>
+            <a:off x="0" y="2084851"/>
+            <a:ext cx="12192000" cy="2404863"/>
+          </a:xfrm>
+        </p:spPr>
+        <p:txBody>
+          <a:bodyPr anchor="ctr">
+            <a:normAutofit/>
+          </a:bodyPr>
+          <a:lstStyle/>
+          <a:p>
+            <a:pPr marL="0" indent="0" algn="ctr">
+              <a:buNone/>
+            </a:pPr>
+            <a:r>
+              <a:rPr lang="zh-TW" altLang="en-US" sz="6600" b="1" dirty="0">
+                <a:solidFill>
+                  <a:srgbClr val="002060"/>
+                </a:solidFill>
+                <a:effectLst>
+                  <a:outerShdw blurRad="38100" dist="38100" dir="2700000" algn="tl">
+                    <a:srgbClr val="000000">
+                      <a:alpha val="43137"/>
+                    </a:srgbClr>
+                  </a:outerShdw>
+                </a:effectLst>
+                <a:latin typeface="微軟正黑體" pitchFamily="34" charset="-120"/>
+                <a:ea typeface="微軟正黑體" pitchFamily="34" charset="-120"/>
+              </a:rPr>
+              <a:t>碰到挫拆我掛</a:t>
+            </a:r>
+            <a:r>
+              <a:rPr lang="zh-TW" altLang="en-US" sz="6600" b="1" dirty="0">
+                <a:solidFill>
+                  <a:srgbClr val="002060"/>
+                </a:solidFill>
+                <a:effectLst>
+                  <a:outerShdw blurRad="38100" dist="38100" dir="2700000" algn="tl">
+                    <a:srgbClr val="000000">
+                      <a:alpha val="43137"/>
+                    </a:srgbClr>
+                  </a:outerShdw>
+                </a:effectLst>
+                <a:latin typeface="微軟正黑體" pitchFamily="34" charset="-120"/>
+                <a:ea typeface="微軟正黑體" pitchFamily="34" charset="-120"/>
+              </a:rPr>
+              <a:t>慮</a:t>
+            </a:r>
+            <a:endParaRPr lang="en-US" altLang="zh-TW" sz="6600" b="1" dirty="0">
+              <a:solidFill>
+                <a:srgbClr val="002060"/>
+              </a:solidFill>
+              <a:effectLst>
+                <a:outerShdw blurRad="38100" dist="38100" dir="2700000" algn="tl">
+                  <a:srgbClr val="000000">
+                    <a:alpha val="43137"/>
+                  </a:srgbClr>
+                </a:outerShdw>
+              </a:effectLst>
+              <a:latin typeface="微軟正黑體" pitchFamily="34" charset="-120"/>
+              <a:ea typeface="微軟正黑體" pitchFamily="34" charset="-120"/>
+            </a:endParaRPr>
+          </a:p>
+          <a:p>
+            <a:pPr marL="0" indent="0" algn="ctr">
+              <a:buNone/>
+            </a:pPr>
+            <a:r>
+              <a:rPr lang="zh-TW" altLang="en-US" sz="6600" b="1" dirty="0">
+                <a:solidFill>
+                  <a:srgbClr val="002060"/>
+                </a:solidFill>
+                <a:effectLst>
+                  <a:outerShdw blurRad="38100" dist="38100" dir="2700000" algn="tl">
+                    <a:srgbClr val="000000">
+                      <a:alpha val="43137"/>
+                    </a:srgbClr>
+                  </a:outerShdw>
+                </a:effectLst>
+                <a:latin typeface="微軟正黑體" pitchFamily="34" charset="-120"/>
+                <a:ea typeface="微軟正黑體" pitchFamily="34" charset="-120"/>
+              </a:rPr>
+              <a:t>肩</a:t>
+            </a:r>
+            <a:r>
+              <a:rPr lang="zh-TW" altLang="en-US" sz="6600" b="1" dirty="0">
+                <a:solidFill>
+                  <a:srgbClr val="002060"/>
+                </a:solidFill>
+                <a:effectLst>
+                  <a:outerShdw blurRad="38100" dist="38100" dir="2700000" algn="tl">
+                    <a:srgbClr val="000000">
+                      <a:alpha val="43137"/>
+                    </a:srgbClr>
+                  </a:outerShdw>
+                </a:effectLst>
+                <a:latin typeface="微軟正黑體" pitchFamily="34" charset="-120"/>
+                <a:ea typeface="微軟正黑體" pitchFamily="34" charset="-120"/>
+              </a:rPr>
+              <a:t>擔重壓我困累</a:t>
+            </a:r>
+            <a:endParaRPr lang="en-US" altLang="zh-TW" sz="6600" b="1" dirty="0">
+              <a:solidFill>
+                <a:srgbClr val="002060"/>
+              </a:solidFill>
+              <a:effectLst>
+                <a:outerShdw blurRad="38100" dist="38100" dir="2700000" algn="tl">
+                  <a:srgbClr val="000000">
+                    <a:alpha val="43137"/>
+                  </a:srgbClr>
+                </a:outerShdw>
+              </a:effectLst>
+              <a:latin typeface="微軟正黑體" pitchFamily="34" charset="-120"/>
+              <a:ea typeface="微軟正黑體" pitchFamily="34" charset="-120"/>
+            </a:endParaRPr>
+          </a:p>
+        </p:txBody>
+      </p:sp>
+    </p:spTree>
+    <p:extLst>
+      <p:ext uri="{BB962C8B-B14F-4D97-AF65-F5344CB8AC3E}">
+        <p14:creationId xmlns:p14="http://schemas.microsoft.com/office/powerpoint/2010/main" val="3488818553"/>
+      </p:ext>
+    </p:extLst>
+  </p:cSld>
+  <p:clrMapOvr>
+    <a:masterClrMapping/>
+  </p:clrMapOvr>
+</p:sld>
+</file>
+
+<file path=ppt/slides/slide11.xml><?xml version="1.0" encoding="utf-8"?>
+<p:sld xmlns:a="http://schemas.openxmlformats.org/drawingml/2006/main" xmlns:r="http://schemas.openxmlformats.org/officeDocument/2006/relationships" xmlns:p="http://schemas.openxmlformats.org/presentationml/2006/main">
+  <p:cSld>
+    <p:spTree>
+      <p:nvGrpSpPr>
+        <p:cNvPr id="1" name=""/>
+        <p:cNvGrpSpPr/>
+        <p:nvPr/>
+      </p:nvGrpSpPr>
+      <p:grpSpPr>
+        <a:xfrm>
+          <a:off x="0" y="0"/>
+          <a:ext cx="0" cy="0"/>
+          <a:chOff x="0" y="0"/>
+          <a:chExt cx="0" cy="0"/>
+        </a:xfrm>
+      </p:grpSpPr>
+      <p:sp>
+        <p:nvSpPr>
+          <p:cNvPr id="5" name="內容版面配置區 4"/>
+          <p:cNvSpPr>
+            <a:spLocks noGrp="1"/>
+          </p:cNvSpPr>
+          <p:nvPr>
+            <p:ph idx="1"/>
+          </p:nvPr>
+        </p:nvSpPr>
+        <p:spPr>
+          <a:xfrm>
+            <a:off x="0" y="2084851"/>
+            <a:ext cx="12192000" cy="2404863"/>
+          </a:xfrm>
+        </p:spPr>
+        <p:txBody>
+          <a:bodyPr anchor="ctr">
+            <a:normAutofit/>
+          </a:bodyPr>
+          <a:lstStyle/>
+          <a:p>
+            <a:pPr marL="0" indent="0" algn="ctr">
+              <a:buNone/>
+            </a:pPr>
+            <a:r>
+              <a:rPr lang="zh-TW" altLang="en-US" sz="6600" b="1" dirty="0">
+                <a:solidFill>
+                  <a:srgbClr val="002060"/>
+                </a:solidFill>
+                <a:effectLst>
+                  <a:outerShdw blurRad="38100" dist="38100" dir="2700000" algn="tl">
+                    <a:srgbClr val="000000">
+                      <a:alpha val="43137"/>
+                    </a:srgbClr>
+                  </a:outerShdw>
+                </a:effectLst>
+                <a:latin typeface="微軟正黑體" pitchFamily="34" charset="-120"/>
+                <a:ea typeface="微軟正黑體" pitchFamily="34" charset="-120"/>
+              </a:rPr>
+              <a:t>一生幾多試與</a:t>
+            </a:r>
+            <a:r>
+              <a:rPr lang="zh-TW" altLang="en-US" sz="6600" b="1" dirty="0">
+                <a:solidFill>
+                  <a:srgbClr val="002060"/>
+                </a:solidFill>
+                <a:effectLst>
+                  <a:outerShdw blurRad="38100" dist="38100" dir="2700000" algn="tl">
+                    <a:srgbClr val="000000">
+                      <a:alpha val="43137"/>
+                    </a:srgbClr>
+                  </a:outerShdw>
+                </a:effectLst>
+                <a:latin typeface="微軟正黑體" pitchFamily="34" charset="-120"/>
+                <a:ea typeface="微軟正黑體" pitchFamily="34" charset="-120"/>
+              </a:rPr>
+              <a:t>煉</a:t>
+            </a:r>
+            <a:endParaRPr lang="en-US" altLang="zh-TW" sz="6600" b="1" dirty="0">
+              <a:solidFill>
+                <a:srgbClr val="002060"/>
+              </a:solidFill>
+              <a:effectLst>
+                <a:outerShdw blurRad="38100" dist="38100" dir="2700000" algn="tl">
+                  <a:srgbClr val="000000">
+                    <a:alpha val="43137"/>
+                  </a:srgbClr>
+                </a:outerShdw>
+              </a:effectLst>
+              <a:latin typeface="微軟正黑體" pitchFamily="34" charset="-120"/>
+              <a:ea typeface="微軟正黑體" pitchFamily="34" charset="-120"/>
+            </a:endParaRPr>
+          </a:p>
+          <a:p>
+            <a:pPr marL="0" indent="0" algn="ctr">
+              <a:buNone/>
+            </a:pPr>
+            <a:r>
+              <a:rPr lang="zh-TW" altLang="en-US" sz="6600" b="1" dirty="0">
+                <a:solidFill>
+                  <a:srgbClr val="002060"/>
+                </a:solidFill>
+                <a:effectLst>
+                  <a:outerShdw blurRad="38100" dist="38100" dir="2700000" algn="tl">
+                    <a:srgbClr val="000000">
+                      <a:alpha val="43137"/>
+                    </a:srgbClr>
+                  </a:outerShdw>
+                </a:effectLst>
+                <a:latin typeface="微軟正黑體" pitchFamily="34" charset="-120"/>
+                <a:ea typeface="微軟正黑體" pitchFamily="34" charset="-120"/>
+              </a:rPr>
+              <a:t>你</a:t>
+            </a:r>
+            <a:r>
+              <a:rPr lang="zh-TW" altLang="en-US" sz="6600" b="1" dirty="0">
+                <a:solidFill>
+                  <a:srgbClr val="002060"/>
+                </a:solidFill>
+                <a:effectLst>
+                  <a:outerShdw blurRad="38100" dist="38100" dir="2700000" algn="tl">
+                    <a:srgbClr val="000000">
+                      <a:alpha val="43137"/>
+                    </a:srgbClr>
+                  </a:outerShdw>
+                </a:effectLst>
+                <a:latin typeface="微軟正黑體" pitchFamily="34" charset="-120"/>
+                <a:ea typeface="微軟正黑體" pitchFamily="34" charset="-120"/>
+              </a:rPr>
+              <a:t>為我祈禱</a:t>
+            </a:r>
+            <a:endParaRPr lang="en-US" altLang="zh-TW" sz="6600" b="1" dirty="0">
+              <a:solidFill>
+                <a:srgbClr val="002060"/>
+              </a:solidFill>
+              <a:effectLst>
+                <a:outerShdw blurRad="38100" dist="38100" dir="2700000" algn="tl">
+                  <a:srgbClr val="000000">
+                    <a:alpha val="43137"/>
+                  </a:srgbClr>
+                </a:outerShdw>
+              </a:effectLst>
+              <a:latin typeface="微軟正黑體" pitchFamily="34" charset="-120"/>
+              <a:ea typeface="微軟正黑體" pitchFamily="34" charset="-120"/>
+            </a:endParaRPr>
+          </a:p>
+        </p:txBody>
+      </p:sp>
+    </p:spTree>
+    <p:extLst>
+      <p:ext uri="{BB962C8B-B14F-4D97-AF65-F5344CB8AC3E}">
+        <p14:creationId xmlns:p14="http://schemas.microsoft.com/office/powerpoint/2010/main" val="3719393053"/>
+      </p:ext>
+    </p:extLst>
+  </p:cSld>
+  <p:clrMapOvr>
+    <a:masterClrMapping/>
+  </p:clrMapOvr>
+</p:sld>
+</file>
+
+<file path=ppt/slides/slide12.xml><?xml version="1.0" encoding="utf-8"?>
+<p:sld xmlns:a="http://schemas.openxmlformats.org/drawingml/2006/main" xmlns:r="http://schemas.openxmlformats.org/officeDocument/2006/relationships" xmlns:p="http://schemas.openxmlformats.org/presentationml/2006/main">
+  <p:cSld>
+    <p:spTree>
+      <p:nvGrpSpPr>
+        <p:cNvPr id="1" name=""/>
+        <p:cNvGrpSpPr/>
+        <p:nvPr/>
+      </p:nvGrpSpPr>
+      <p:grpSpPr>
+        <a:xfrm>
+          <a:off x="0" y="0"/>
+          <a:ext cx="0" cy="0"/>
+          <a:chOff x="0" y="0"/>
+          <a:chExt cx="0" cy="0"/>
+        </a:xfrm>
+      </p:grpSpPr>
+      <p:sp>
+        <p:nvSpPr>
+          <p:cNvPr id="5" name="內容版面配置區 4"/>
+          <p:cNvSpPr>
+            <a:spLocks noGrp="1"/>
+          </p:cNvSpPr>
+          <p:nvPr>
+            <p:ph idx="1"/>
+          </p:nvPr>
+        </p:nvSpPr>
+        <p:spPr>
+          <a:xfrm>
+            <a:off x="0" y="2084851"/>
+            <a:ext cx="12192000" cy="2404863"/>
+          </a:xfrm>
+        </p:spPr>
+        <p:txBody>
+          <a:bodyPr anchor="ctr">
+            <a:normAutofit/>
+          </a:bodyPr>
+          <a:lstStyle/>
+          <a:p>
+            <a:pPr marL="0" indent="0" algn="ctr">
+              <a:buNone/>
+            </a:pPr>
+            <a:r>
+              <a:rPr lang="zh-TW" altLang="en-US" sz="6600" b="1" dirty="0">
+                <a:solidFill>
+                  <a:srgbClr val="002060"/>
+                </a:solidFill>
+                <a:effectLst>
+                  <a:outerShdw blurRad="38100" dist="38100" dir="2700000" algn="tl">
+                    <a:srgbClr val="000000">
+                      <a:alpha val="43137"/>
+                    </a:srgbClr>
+                  </a:outerShdw>
+                </a:effectLst>
+                <a:latin typeface="微軟正黑體" pitchFamily="34" charset="-120"/>
+                <a:ea typeface="微軟正黑體" pitchFamily="34" charset="-120"/>
+              </a:rPr>
+              <a:t>見到快慰開心</a:t>
+            </a:r>
+            <a:r>
+              <a:rPr lang="zh-TW" altLang="en-US" sz="6600" b="1" dirty="0">
+                <a:solidFill>
+                  <a:srgbClr val="002060"/>
+                </a:solidFill>
+                <a:effectLst>
+                  <a:outerShdw blurRad="38100" dist="38100" dir="2700000" algn="tl">
+                    <a:srgbClr val="000000">
+                      <a:alpha val="43137"/>
+                    </a:srgbClr>
+                  </a:outerShdw>
+                </a:effectLst>
+                <a:latin typeface="微軟正黑體" pitchFamily="34" charset="-120"/>
+                <a:ea typeface="微軟正黑體" pitchFamily="34" charset="-120"/>
+              </a:rPr>
+              <a:t>事</a:t>
+            </a:r>
+            <a:endParaRPr lang="en-US" altLang="zh-TW" sz="6600" b="1" dirty="0">
+              <a:solidFill>
+                <a:srgbClr val="002060"/>
+              </a:solidFill>
+              <a:effectLst>
+                <a:outerShdw blurRad="38100" dist="38100" dir="2700000" algn="tl">
+                  <a:srgbClr val="000000">
+                    <a:alpha val="43137"/>
+                  </a:srgbClr>
+                </a:outerShdw>
+              </a:effectLst>
+              <a:latin typeface="微軟正黑體" pitchFamily="34" charset="-120"/>
+              <a:ea typeface="微軟正黑體" pitchFamily="34" charset="-120"/>
+            </a:endParaRPr>
+          </a:p>
+          <a:p>
+            <a:pPr marL="0" indent="0" algn="ctr">
+              <a:buNone/>
+            </a:pPr>
+            <a:r>
+              <a:rPr lang="zh-TW" altLang="en-US" sz="6600" b="1" dirty="0">
+                <a:solidFill>
+                  <a:srgbClr val="002060"/>
+                </a:solidFill>
+                <a:effectLst>
+                  <a:outerShdw blurRad="38100" dist="38100" dir="2700000" algn="tl">
+                    <a:srgbClr val="000000">
+                      <a:alpha val="43137"/>
+                    </a:srgbClr>
+                  </a:outerShdw>
+                </a:effectLst>
+                <a:latin typeface="微軟正黑體" pitchFamily="34" charset="-120"/>
+                <a:ea typeface="微軟正黑體" pitchFamily="34" charset="-120"/>
+              </a:rPr>
+              <a:t>但</a:t>
+            </a:r>
+            <a:r>
+              <a:rPr lang="zh-TW" altLang="en-US" sz="6600" b="1" dirty="0">
+                <a:solidFill>
+                  <a:srgbClr val="002060"/>
+                </a:solidFill>
+                <a:effectLst>
+                  <a:outerShdw blurRad="38100" dist="38100" dir="2700000" algn="tl">
+                    <a:srgbClr val="000000">
+                      <a:alpha val="43137"/>
+                    </a:srgbClr>
+                  </a:outerShdw>
+                </a:effectLst>
+                <a:latin typeface="微軟正黑體" pitchFamily="34" charset="-120"/>
+                <a:ea typeface="微軟正黑體" pitchFamily="34" charset="-120"/>
+              </a:rPr>
+              <a:t>願樣樣你分嚐</a:t>
+            </a:r>
+            <a:endParaRPr lang="en-US" altLang="zh-TW" sz="6600" b="1" dirty="0">
+              <a:solidFill>
+                <a:srgbClr val="002060"/>
+              </a:solidFill>
+              <a:effectLst>
+                <a:outerShdw blurRad="38100" dist="38100" dir="2700000" algn="tl">
+                  <a:srgbClr val="000000">
+                    <a:alpha val="43137"/>
+                  </a:srgbClr>
+                </a:outerShdw>
+              </a:effectLst>
+              <a:latin typeface="微軟正黑體" pitchFamily="34" charset="-120"/>
+              <a:ea typeface="微軟正黑體" pitchFamily="34" charset="-120"/>
+            </a:endParaRPr>
+          </a:p>
+        </p:txBody>
+      </p:sp>
+    </p:spTree>
+    <p:extLst>
+      <p:ext uri="{BB962C8B-B14F-4D97-AF65-F5344CB8AC3E}">
+        <p14:creationId xmlns:p14="http://schemas.microsoft.com/office/powerpoint/2010/main" val="1959834635"/>
+      </p:ext>
+    </p:extLst>
+  </p:cSld>
+  <p:clrMapOvr>
+    <a:masterClrMapping/>
+  </p:clrMapOvr>
+</p:sld>
+</file>
+
+<file path=ppt/slides/slide13.xml><?xml version="1.0" encoding="utf-8"?>
+<p:sld xmlns:a="http://schemas.openxmlformats.org/drawingml/2006/main" xmlns:r="http://schemas.openxmlformats.org/officeDocument/2006/relationships" xmlns:p="http://schemas.openxmlformats.org/presentationml/2006/main">
+  <p:cSld>
+    <p:spTree>
+      <p:nvGrpSpPr>
+        <p:cNvPr id="1" name=""/>
+        <p:cNvGrpSpPr/>
+        <p:nvPr/>
+      </p:nvGrpSpPr>
+      <p:grpSpPr>
+        <a:xfrm>
+          <a:off x="0" y="0"/>
+          <a:ext cx="0" cy="0"/>
+          <a:chOff x="0" y="0"/>
+          <a:chExt cx="0" cy="0"/>
+        </a:xfrm>
+      </p:grpSpPr>
+      <p:sp>
+        <p:nvSpPr>
+          <p:cNvPr id="5" name="內容版面配置區 4"/>
+          <p:cNvSpPr>
+            <a:spLocks noGrp="1"/>
+          </p:cNvSpPr>
+          <p:nvPr>
+            <p:ph idx="1"/>
+          </p:nvPr>
+        </p:nvSpPr>
+        <p:spPr>
+          <a:xfrm>
+            <a:off x="0" y="2084851"/>
+            <a:ext cx="12192000" cy="2404863"/>
+          </a:xfrm>
+        </p:spPr>
+        <p:txBody>
+          <a:bodyPr anchor="ctr">
+            <a:normAutofit/>
+          </a:bodyPr>
+          <a:lstStyle/>
+          <a:p>
+            <a:pPr marL="0" indent="0" algn="ctr">
+              <a:buNone/>
+            </a:pPr>
+            <a:r>
+              <a:rPr lang="zh-TW" altLang="en-US" sz="6600" b="1" dirty="0">
+                <a:solidFill>
+                  <a:srgbClr val="002060"/>
+                </a:solidFill>
+                <a:effectLst>
+                  <a:outerShdw blurRad="38100" dist="38100" dir="2700000" algn="tl">
+                    <a:srgbClr val="000000">
+                      <a:alpha val="43137"/>
+                    </a:srgbClr>
+                  </a:outerShdw>
+                </a:effectLst>
+                <a:latin typeface="微軟正黑體" pitchFamily="34" charset="-120"/>
+                <a:ea typeface="微軟正黑體" pitchFamily="34" charset="-120"/>
+              </a:rPr>
+              <a:t>為你感謝</a:t>
+            </a:r>
+            <a:r>
+              <a:rPr lang="zh-TW" altLang="en-US" sz="6600" b="1" dirty="0">
+                <a:solidFill>
+                  <a:srgbClr val="002060"/>
+                </a:solidFill>
+                <a:effectLst>
+                  <a:outerShdw blurRad="38100" dist="38100" dir="2700000" algn="tl">
+                    <a:srgbClr val="000000">
+                      <a:alpha val="43137"/>
+                    </a:srgbClr>
+                  </a:outerShdw>
+                </a:effectLst>
+                <a:latin typeface="微軟正黑體" pitchFamily="34" charset="-120"/>
+                <a:ea typeface="微軟正黑體" pitchFamily="34" charset="-120"/>
+              </a:rPr>
+              <a:t>神</a:t>
+            </a:r>
+            <a:endParaRPr lang="en-US" altLang="zh-TW" sz="6600" b="1" dirty="0">
+              <a:solidFill>
+                <a:srgbClr val="002060"/>
+              </a:solidFill>
+              <a:effectLst>
+                <a:outerShdw blurRad="38100" dist="38100" dir="2700000" algn="tl">
+                  <a:srgbClr val="000000">
+                    <a:alpha val="43137"/>
+                  </a:srgbClr>
+                </a:outerShdw>
+              </a:effectLst>
+              <a:latin typeface="微軟正黑體" pitchFamily="34" charset="-120"/>
+              <a:ea typeface="微軟正黑體" pitchFamily="34" charset="-120"/>
+            </a:endParaRPr>
+          </a:p>
+          <a:p>
+            <a:pPr marL="0" indent="0" algn="ctr">
+              <a:buNone/>
+            </a:pPr>
+            <a:r>
+              <a:rPr lang="zh-TW" altLang="en-US" sz="6600" b="1" dirty="0">
+                <a:solidFill>
+                  <a:srgbClr val="002060"/>
+                </a:solidFill>
+                <a:effectLst>
+                  <a:outerShdw blurRad="38100" dist="38100" dir="2700000" algn="tl">
+                    <a:srgbClr val="000000">
+                      <a:alpha val="43137"/>
+                    </a:srgbClr>
+                  </a:outerShdw>
+                </a:effectLst>
+                <a:latin typeface="微軟正黑體" pitchFamily="34" charset="-120"/>
+                <a:ea typeface="微軟正黑體" pitchFamily="34" charset="-120"/>
+              </a:rPr>
+              <a:t>同</a:t>
+            </a:r>
+            <a:r>
+              <a:rPr lang="zh-TW" altLang="en-US" sz="6600" b="1" dirty="0">
+                <a:solidFill>
+                  <a:srgbClr val="002060"/>
+                </a:solidFill>
+                <a:effectLst>
+                  <a:outerShdw blurRad="38100" dist="38100" dir="2700000" algn="tl">
+                    <a:srgbClr val="000000">
+                      <a:alpha val="43137"/>
+                    </a:srgbClr>
+                  </a:outerShdw>
+                </a:effectLst>
+                <a:latin typeface="微軟正黑體" pitchFamily="34" charset="-120"/>
+                <a:ea typeface="微軟正黑體" pitchFamily="34" charset="-120"/>
+              </a:rPr>
+              <a:t>路極珍貴</a:t>
+            </a:r>
+            <a:endParaRPr lang="vi-VN" sz="6600" b="1" dirty="0">
+              <a:solidFill>
+                <a:srgbClr val="002060"/>
+              </a:solidFill>
+              <a:effectLst>
+                <a:outerShdw blurRad="38100" dist="38100" dir="2700000" algn="tl">
+                  <a:srgbClr val="000000">
+                    <a:alpha val="43137"/>
+                  </a:srgbClr>
+                </a:outerShdw>
+              </a:effectLst>
+              <a:latin typeface="微軟正黑體" pitchFamily="34" charset="-120"/>
+              <a:ea typeface="微軟正黑體" pitchFamily="34" charset="-120"/>
+            </a:endParaRPr>
+          </a:p>
+        </p:txBody>
+      </p:sp>
+    </p:spTree>
+    <p:extLst>
+      <p:ext uri="{BB962C8B-B14F-4D97-AF65-F5344CB8AC3E}">
+        <p14:creationId xmlns:p14="http://schemas.microsoft.com/office/powerpoint/2010/main" val="922196381"/>
+      </p:ext>
+    </p:extLst>
+  </p:cSld>
+  <p:clrMapOvr>
+    <a:masterClrMapping/>
+  </p:clrMapOvr>
+</p:sld>
+</file>
+
+<file path=ppt/slides/slide14.xml><?xml version="1.0" encoding="utf-8"?>
+<p:sld xmlns:a="http://schemas.openxmlformats.org/drawingml/2006/main" xmlns:r="http://schemas.openxmlformats.org/officeDocument/2006/relationships" xmlns:p="http://schemas.openxmlformats.org/presentationml/2006/main">
+  <p:cSld>
+    <p:spTree>
+      <p:nvGrpSpPr>
+        <p:cNvPr id="1" name=""/>
+        <p:cNvGrpSpPr/>
+        <p:nvPr/>
+      </p:nvGrpSpPr>
+      <p:grpSpPr>
+        <a:xfrm>
+          <a:off x="0" y="0"/>
+          <a:ext cx="0" cy="0"/>
+          <a:chOff x="0" y="0"/>
+          <a:chExt cx="0" cy="0"/>
+        </a:xfrm>
+      </p:grpSpPr>
+      <p:sp>
+        <p:nvSpPr>
+          <p:cNvPr id="5" name="內容版面配置區 4"/>
+          <p:cNvSpPr>
+            <a:spLocks noGrp="1"/>
+          </p:cNvSpPr>
+          <p:nvPr>
+            <p:ph idx="1"/>
+          </p:nvPr>
+        </p:nvSpPr>
+        <p:spPr>
+          <a:xfrm>
+            <a:off x="0" y="2084851"/>
+            <a:ext cx="12192000" cy="2404863"/>
+          </a:xfrm>
+        </p:spPr>
+        <p:txBody>
+          <a:bodyPr anchor="ctr">
+            <a:normAutofit/>
+          </a:bodyPr>
+          <a:lstStyle/>
+          <a:p>
+            <a:pPr marL="0" indent="0" algn="ctr">
+              <a:buNone/>
+            </a:pPr>
+            <a:r>
+              <a:rPr lang="zh-TW" altLang="en-US" sz="6600" b="1" dirty="0">
+                <a:solidFill>
+                  <a:srgbClr val="002060"/>
+                </a:solidFill>
+                <a:effectLst>
+                  <a:outerShdw blurRad="38100" dist="38100" dir="2700000" algn="tl">
+                    <a:srgbClr val="000000">
+                      <a:alpha val="43137"/>
+                    </a:srgbClr>
+                  </a:outerShdw>
+                </a:effectLst>
+                <a:latin typeface="微軟正黑體" pitchFamily="34" charset="-120"/>
+                <a:ea typeface="微軟正黑體" pitchFamily="34" charset="-120"/>
+              </a:rPr>
+              <a:t>碰到挫拆我掛</a:t>
+            </a:r>
+            <a:r>
+              <a:rPr lang="zh-TW" altLang="en-US" sz="6600" b="1" dirty="0">
+                <a:solidFill>
+                  <a:srgbClr val="002060"/>
+                </a:solidFill>
+                <a:effectLst>
+                  <a:outerShdw blurRad="38100" dist="38100" dir="2700000" algn="tl">
+                    <a:srgbClr val="000000">
+                      <a:alpha val="43137"/>
+                    </a:srgbClr>
+                  </a:outerShdw>
+                </a:effectLst>
+                <a:latin typeface="微軟正黑體" pitchFamily="34" charset="-120"/>
+                <a:ea typeface="微軟正黑體" pitchFamily="34" charset="-120"/>
+              </a:rPr>
+              <a:t>慮</a:t>
+            </a:r>
+            <a:endParaRPr lang="en-US" altLang="zh-TW" sz="6600" b="1" dirty="0">
+              <a:solidFill>
+                <a:srgbClr val="002060"/>
+              </a:solidFill>
+              <a:effectLst>
+                <a:outerShdw blurRad="38100" dist="38100" dir="2700000" algn="tl">
+                  <a:srgbClr val="000000">
+                    <a:alpha val="43137"/>
+                  </a:srgbClr>
+                </a:outerShdw>
+              </a:effectLst>
+              <a:latin typeface="微軟正黑體" pitchFamily="34" charset="-120"/>
+              <a:ea typeface="微軟正黑體" pitchFamily="34" charset="-120"/>
+            </a:endParaRPr>
+          </a:p>
+          <a:p>
+            <a:pPr marL="0" indent="0" algn="ctr">
+              <a:buNone/>
+            </a:pPr>
+            <a:r>
+              <a:rPr lang="zh-TW" altLang="en-US" sz="6600" b="1" dirty="0">
+                <a:solidFill>
+                  <a:srgbClr val="002060"/>
+                </a:solidFill>
+                <a:effectLst>
+                  <a:outerShdw blurRad="38100" dist="38100" dir="2700000" algn="tl">
+                    <a:srgbClr val="000000">
+                      <a:alpha val="43137"/>
+                    </a:srgbClr>
+                  </a:outerShdw>
+                </a:effectLst>
+                <a:latin typeface="微軟正黑體" pitchFamily="34" charset="-120"/>
+                <a:ea typeface="微軟正黑體" pitchFamily="34" charset="-120"/>
+              </a:rPr>
+              <a:t>肩</a:t>
+            </a:r>
+            <a:r>
+              <a:rPr lang="zh-TW" altLang="en-US" sz="6600" b="1" dirty="0">
+                <a:solidFill>
+                  <a:srgbClr val="002060"/>
+                </a:solidFill>
+                <a:effectLst>
+                  <a:outerShdw blurRad="38100" dist="38100" dir="2700000" algn="tl">
+                    <a:srgbClr val="000000">
+                      <a:alpha val="43137"/>
+                    </a:srgbClr>
+                  </a:outerShdw>
+                </a:effectLst>
+                <a:latin typeface="微軟正黑體" pitchFamily="34" charset="-120"/>
+                <a:ea typeface="微軟正黑體" pitchFamily="34" charset="-120"/>
+              </a:rPr>
+              <a:t>擔重壓我困累</a:t>
+            </a:r>
+            <a:endParaRPr lang="en-US" altLang="zh-TW" sz="6600" b="1" dirty="0">
+              <a:solidFill>
+                <a:srgbClr val="002060"/>
+              </a:solidFill>
+              <a:effectLst>
+                <a:outerShdw blurRad="38100" dist="38100" dir="2700000" algn="tl">
+                  <a:srgbClr val="000000">
+                    <a:alpha val="43137"/>
+                  </a:srgbClr>
+                </a:outerShdw>
+              </a:effectLst>
+              <a:latin typeface="微軟正黑體" pitchFamily="34" charset="-120"/>
+              <a:ea typeface="微軟正黑體" pitchFamily="34" charset="-120"/>
+            </a:endParaRPr>
+          </a:p>
+        </p:txBody>
+      </p:sp>
+    </p:spTree>
+    <p:extLst>
+      <p:ext uri="{BB962C8B-B14F-4D97-AF65-F5344CB8AC3E}">
+        <p14:creationId xmlns:p14="http://schemas.microsoft.com/office/powerpoint/2010/main" val="654647591"/>
+      </p:ext>
+    </p:extLst>
+  </p:cSld>
+  <p:clrMapOvr>
+    <a:masterClrMapping/>
+  </p:clrMapOvr>
+</p:sld>
+</file>
+
+<file path=ppt/slides/slide15.xml><?xml version="1.0" encoding="utf-8"?>
+<p:sld xmlns:a="http://schemas.openxmlformats.org/drawingml/2006/main" xmlns:r="http://schemas.openxmlformats.org/officeDocument/2006/relationships" xmlns:p="http://schemas.openxmlformats.org/presentationml/2006/main">
+  <p:cSld>
+    <p:spTree>
+      <p:nvGrpSpPr>
+        <p:cNvPr id="1" name=""/>
+        <p:cNvGrpSpPr/>
+        <p:nvPr/>
+      </p:nvGrpSpPr>
+      <p:grpSpPr>
+        <a:xfrm>
+          <a:off x="0" y="0"/>
+          <a:ext cx="0" cy="0"/>
+          <a:chOff x="0" y="0"/>
+          <a:chExt cx="0" cy="0"/>
+        </a:xfrm>
+      </p:grpSpPr>
+      <p:sp>
+        <p:nvSpPr>
+          <p:cNvPr id="5" name="內容版面配置區 4"/>
+          <p:cNvSpPr>
+            <a:spLocks noGrp="1"/>
+          </p:cNvSpPr>
+          <p:nvPr>
+            <p:ph idx="1"/>
+          </p:nvPr>
+        </p:nvSpPr>
+        <p:spPr>
+          <a:xfrm>
+            <a:off x="0" y="2084851"/>
+            <a:ext cx="12192000" cy="2404863"/>
+          </a:xfrm>
+        </p:spPr>
+        <p:txBody>
+          <a:bodyPr anchor="ctr">
+            <a:normAutofit/>
+          </a:bodyPr>
+          <a:lstStyle/>
+          <a:p>
+            <a:pPr marL="0" indent="0" algn="ctr">
+              <a:buNone/>
+            </a:pPr>
+            <a:r>
+              <a:rPr lang="zh-TW" altLang="en-US" sz="6600" b="1" dirty="0">
+                <a:solidFill>
+                  <a:srgbClr val="002060"/>
+                </a:solidFill>
+                <a:effectLst>
+                  <a:outerShdw blurRad="38100" dist="38100" dir="2700000" algn="tl">
+                    <a:srgbClr val="000000">
+                      <a:alpha val="43137"/>
+                    </a:srgbClr>
+                  </a:outerShdw>
+                </a:effectLst>
+                <a:latin typeface="微軟正黑體" pitchFamily="34" charset="-120"/>
+                <a:ea typeface="微軟正黑體" pitchFamily="34" charset="-120"/>
+              </a:rPr>
+              <a:t>一生幾多試與</a:t>
+            </a:r>
+            <a:r>
+              <a:rPr lang="zh-TW" altLang="en-US" sz="6600" b="1" dirty="0">
+                <a:solidFill>
+                  <a:srgbClr val="002060"/>
+                </a:solidFill>
+                <a:effectLst>
+                  <a:outerShdw blurRad="38100" dist="38100" dir="2700000" algn="tl">
+                    <a:srgbClr val="000000">
+                      <a:alpha val="43137"/>
+                    </a:srgbClr>
+                  </a:outerShdw>
+                </a:effectLst>
+                <a:latin typeface="微軟正黑體" pitchFamily="34" charset="-120"/>
+                <a:ea typeface="微軟正黑體" pitchFamily="34" charset="-120"/>
+              </a:rPr>
+              <a:t>煉</a:t>
+            </a:r>
+            <a:endParaRPr lang="en-US" altLang="zh-TW" sz="6600" b="1" dirty="0">
+              <a:solidFill>
+                <a:srgbClr val="002060"/>
+              </a:solidFill>
+              <a:effectLst>
+                <a:outerShdw blurRad="38100" dist="38100" dir="2700000" algn="tl">
+                  <a:srgbClr val="000000">
+                    <a:alpha val="43137"/>
+                  </a:srgbClr>
+                </a:outerShdw>
+              </a:effectLst>
+              <a:latin typeface="微軟正黑體" pitchFamily="34" charset="-120"/>
+              <a:ea typeface="微軟正黑體" pitchFamily="34" charset="-120"/>
+            </a:endParaRPr>
+          </a:p>
+          <a:p>
+            <a:pPr marL="0" indent="0" algn="ctr">
+              <a:buNone/>
+            </a:pPr>
+            <a:r>
+              <a:rPr lang="zh-TW" altLang="en-US" sz="6600" b="1" dirty="0">
+                <a:solidFill>
+                  <a:srgbClr val="002060"/>
+                </a:solidFill>
+                <a:effectLst>
+                  <a:outerShdw blurRad="38100" dist="38100" dir="2700000" algn="tl">
+                    <a:srgbClr val="000000">
+                      <a:alpha val="43137"/>
+                    </a:srgbClr>
+                  </a:outerShdw>
+                </a:effectLst>
+                <a:latin typeface="微軟正黑體" pitchFamily="34" charset="-120"/>
+                <a:ea typeface="微軟正黑體" pitchFamily="34" charset="-120"/>
+              </a:rPr>
+              <a:t>你</a:t>
+            </a:r>
+            <a:r>
+              <a:rPr lang="zh-TW" altLang="en-US" sz="6600" b="1" dirty="0">
+                <a:solidFill>
+                  <a:srgbClr val="002060"/>
+                </a:solidFill>
+                <a:effectLst>
+                  <a:outerShdw blurRad="38100" dist="38100" dir="2700000" algn="tl">
+                    <a:srgbClr val="000000">
+                      <a:alpha val="43137"/>
+                    </a:srgbClr>
+                  </a:outerShdw>
+                </a:effectLst>
+                <a:latin typeface="微軟正黑體" pitchFamily="34" charset="-120"/>
+                <a:ea typeface="微軟正黑體" pitchFamily="34" charset="-120"/>
+              </a:rPr>
+              <a:t>為我祈禱</a:t>
+            </a:r>
+            <a:endParaRPr lang="en-US" altLang="zh-TW" sz="6600" b="1" dirty="0">
+              <a:solidFill>
+                <a:srgbClr val="002060"/>
+              </a:solidFill>
+              <a:effectLst>
+                <a:outerShdw blurRad="38100" dist="38100" dir="2700000" algn="tl">
+                  <a:srgbClr val="000000">
+                    <a:alpha val="43137"/>
+                  </a:srgbClr>
+                </a:outerShdw>
+              </a:effectLst>
+              <a:latin typeface="微軟正黑體" pitchFamily="34" charset="-120"/>
+              <a:ea typeface="微軟正黑體" pitchFamily="34" charset="-120"/>
+            </a:endParaRPr>
+          </a:p>
+        </p:txBody>
+      </p:sp>
+    </p:spTree>
+    <p:extLst>
+      <p:ext uri="{BB962C8B-B14F-4D97-AF65-F5344CB8AC3E}">
+        <p14:creationId xmlns:p14="http://schemas.microsoft.com/office/powerpoint/2010/main" val="3419737276"/>
+      </p:ext>
+    </p:extLst>
+  </p:cSld>
+  <p:clrMapOvr>
+    <a:masterClrMapping/>
+  </p:clrMapOvr>
+</p:sld>
+</file>
+
+<file path=ppt/slides/slide16.xml><?xml version="1.0" encoding="utf-8"?>
+<p:sld xmlns:a="http://schemas.openxmlformats.org/drawingml/2006/main" xmlns:r="http://schemas.openxmlformats.org/officeDocument/2006/relationships" xmlns:p="http://schemas.openxmlformats.org/presentationml/2006/main">
+  <p:cSld>
+    <p:spTree>
+      <p:nvGrpSpPr>
+        <p:cNvPr id="1" name=""/>
+        <p:cNvGrpSpPr/>
+        <p:nvPr/>
+      </p:nvGrpSpPr>
+      <p:grpSpPr>
+        <a:xfrm>
+          <a:off x="0" y="0"/>
+          <a:ext cx="0" cy="0"/>
+          <a:chOff x="0" y="0"/>
+          <a:chExt cx="0" cy="0"/>
+        </a:xfrm>
+      </p:grpSpPr>
+      <p:sp>
+        <p:nvSpPr>
+          <p:cNvPr id="5" name="內容版面配置區 4"/>
+          <p:cNvSpPr>
+            <a:spLocks noGrp="1"/>
+          </p:cNvSpPr>
+          <p:nvPr>
+            <p:ph idx="1"/>
+          </p:nvPr>
+        </p:nvSpPr>
+        <p:spPr>
+          <a:xfrm>
+            <a:off x="0" y="2084851"/>
+            <a:ext cx="12192000" cy="2404863"/>
+          </a:xfrm>
+        </p:spPr>
+        <p:txBody>
+          <a:bodyPr anchor="ctr">
+            <a:normAutofit/>
+          </a:bodyPr>
+          <a:lstStyle/>
+          <a:p>
+            <a:pPr marL="0" indent="0" algn="ctr">
+              <a:buNone/>
+            </a:pPr>
+            <a:r>
+              <a:rPr lang="zh-TW" altLang="en-US" sz="6600" b="1" dirty="0">
+                <a:solidFill>
+                  <a:srgbClr val="002060"/>
+                </a:solidFill>
+                <a:effectLst>
+                  <a:outerShdw blurRad="38100" dist="38100" dir="2700000" algn="tl">
+                    <a:srgbClr val="000000">
+                      <a:alpha val="43137"/>
+                    </a:srgbClr>
+                  </a:outerShdw>
+                </a:effectLst>
+                <a:latin typeface="微軟正黑體" pitchFamily="34" charset="-120"/>
+                <a:ea typeface="微軟正黑體" pitchFamily="34" charset="-120"/>
+              </a:rPr>
+              <a:t>見到快慰開心</a:t>
+            </a:r>
+            <a:r>
+              <a:rPr lang="zh-TW" altLang="en-US" sz="6600" b="1" dirty="0">
+                <a:solidFill>
+                  <a:srgbClr val="002060"/>
+                </a:solidFill>
+                <a:effectLst>
+                  <a:outerShdw blurRad="38100" dist="38100" dir="2700000" algn="tl">
+                    <a:srgbClr val="000000">
+                      <a:alpha val="43137"/>
+                    </a:srgbClr>
+                  </a:outerShdw>
+                </a:effectLst>
+                <a:latin typeface="微軟正黑體" pitchFamily="34" charset="-120"/>
+                <a:ea typeface="微軟正黑體" pitchFamily="34" charset="-120"/>
+              </a:rPr>
+              <a:t>事</a:t>
+            </a:r>
+            <a:endParaRPr lang="en-US" altLang="zh-TW" sz="6600" b="1" dirty="0">
+              <a:solidFill>
+                <a:srgbClr val="002060"/>
+              </a:solidFill>
+              <a:effectLst>
+                <a:outerShdw blurRad="38100" dist="38100" dir="2700000" algn="tl">
+                  <a:srgbClr val="000000">
+                    <a:alpha val="43137"/>
+                  </a:srgbClr>
+                </a:outerShdw>
+              </a:effectLst>
+              <a:latin typeface="微軟正黑體" pitchFamily="34" charset="-120"/>
+              <a:ea typeface="微軟正黑體" pitchFamily="34" charset="-120"/>
+            </a:endParaRPr>
+          </a:p>
+          <a:p>
+            <a:pPr marL="0" indent="0" algn="ctr">
+              <a:buNone/>
+            </a:pPr>
+            <a:r>
+              <a:rPr lang="zh-TW" altLang="en-US" sz="6600" b="1" dirty="0">
+                <a:solidFill>
+                  <a:srgbClr val="002060"/>
+                </a:solidFill>
+                <a:effectLst>
+                  <a:outerShdw blurRad="38100" dist="38100" dir="2700000" algn="tl">
+                    <a:srgbClr val="000000">
+                      <a:alpha val="43137"/>
+                    </a:srgbClr>
+                  </a:outerShdw>
+                </a:effectLst>
+                <a:latin typeface="微軟正黑體" pitchFamily="34" charset="-120"/>
+                <a:ea typeface="微軟正黑體" pitchFamily="34" charset="-120"/>
+              </a:rPr>
+              <a:t>但</a:t>
+            </a:r>
+            <a:r>
+              <a:rPr lang="zh-TW" altLang="en-US" sz="6600" b="1" dirty="0">
+                <a:solidFill>
+                  <a:srgbClr val="002060"/>
+                </a:solidFill>
+                <a:effectLst>
+                  <a:outerShdw blurRad="38100" dist="38100" dir="2700000" algn="tl">
+                    <a:srgbClr val="000000">
+                      <a:alpha val="43137"/>
+                    </a:srgbClr>
+                  </a:outerShdw>
+                </a:effectLst>
+                <a:latin typeface="微軟正黑體" pitchFamily="34" charset="-120"/>
+                <a:ea typeface="微軟正黑體" pitchFamily="34" charset="-120"/>
+              </a:rPr>
+              <a:t>願樣樣你分嚐</a:t>
+            </a:r>
+            <a:endParaRPr lang="en-US" altLang="zh-TW" sz="6600" b="1" dirty="0">
+              <a:solidFill>
+                <a:srgbClr val="002060"/>
+              </a:solidFill>
+              <a:effectLst>
+                <a:outerShdw blurRad="38100" dist="38100" dir="2700000" algn="tl">
+                  <a:srgbClr val="000000">
+                    <a:alpha val="43137"/>
+                  </a:srgbClr>
+                </a:outerShdw>
+              </a:effectLst>
+              <a:latin typeface="微軟正黑體" pitchFamily="34" charset="-120"/>
+              <a:ea typeface="微軟正黑體" pitchFamily="34" charset="-120"/>
+            </a:endParaRPr>
+          </a:p>
+        </p:txBody>
+      </p:sp>
+    </p:spTree>
+    <p:extLst>
+      <p:ext uri="{BB962C8B-B14F-4D97-AF65-F5344CB8AC3E}">
+        <p14:creationId xmlns:p14="http://schemas.microsoft.com/office/powerpoint/2010/main" val="3465536327"/>
+      </p:ext>
+    </p:extLst>
+  </p:cSld>
+  <p:clrMapOvr>
+    <a:masterClrMapping/>
+  </p:clrMapOvr>
+</p:sld>
+</file>
+
+<file path=ppt/slides/slide17.xml><?xml version="1.0" encoding="utf-8"?>
+<p:sld xmlns:a="http://schemas.openxmlformats.org/drawingml/2006/main" xmlns:r="http://schemas.openxmlformats.org/officeDocument/2006/relationships" xmlns:p="http://schemas.openxmlformats.org/presentationml/2006/main">
+  <p:cSld>
+    <p:spTree>
+      <p:nvGrpSpPr>
+        <p:cNvPr id="1" name=""/>
+        <p:cNvGrpSpPr/>
+        <p:nvPr/>
+      </p:nvGrpSpPr>
+      <p:grpSpPr>
+        <a:xfrm>
+          <a:off x="0" y="0"/>
+          <a:ext cx="0" cy="0"/>
+          <a:chOff x="0" y="0"/>
+          <a:chExt cx="0" cy="0"/>
+        </a:xfrm>
+      </p:grpSpPr>
+      <p:sp>
+        <p:nvSpPr>
+          <p:cNvPr id="5" name="內容版面配置區 4"/>
+          <p:cNvSpPr>
+            <a:spLocks noGrp="1"/>
+          </p:cNvSpPr>
+          <p:nvPr>
+            <p:ph idx="1"/>
+          </p:nvPr>
+        </p:nvSpPr>
+        <p:spPr>
+          <a:xfrm>
+            <a:off x="0" y="2084851"/>
+            <a:ext cx="12192000" cy="2404863"/>
+          </a:xfrm>
+        </p:spPr>
+        <p:txBody>
+          <a:bodyPr anchor="ctr">
+            <a:normAutofit/>
+          </a:bodyPr>
+          <a:lstStyle/>
+          <a:p>
+            <a:pPr marL="0" indent="0" algn="ctr">
+              <a:buNone/>
+            </a:pPr>
+            <a:r>
+              <a:rPr lang="zh-TW" altLang="en-US" sz="6600" b="1" dirty="0">
+                <a:solidFill>
+                  <a:srgbClr val="002060"/>
+                </a:solidFill>
+                <a:effectLst>
+                  <a:outerShdw blurRad="38100" dist="38100" dir="2700000" algn="tl">
+                    <a:srgbClr val="000000">
+                      <a:alpha val="43137"/>
+                    </a:srgbClr>
+                  </a:outerShdw>
+                </a:effectLst>
+                <a:latin typeface="微軟正黑體" pitchFamily="34" charset="-120"/>
+                <a:ea typeface="微軟正黑體" pitchFamily="34" charset="-120"/>
+              </a:rPr>
+              <a:t>為你感謝</a:t>
+            </a:r>
+            <a:r>
+              <a:rPr lang="zh-TW" altLang="en-US" sz="6600" b="1" dirty="0">
+                <a:solidFill>
+                  <a:srgbClr val="002060"/>
+                </a:solidFill>
+                <a:effectLst>
+                  <a:outerShdw blurRad="38100" dist="38100" dir="2700000" algn="tl">
+                    <a:srgbClr val="000000">
+                      <a:alpha val="43137"/>
+                    </a:srgbClr>
+                  </a:outerShdw>
+                </a:effectLst>
+                <a:latin typeface="微軟正黑體" pitchFamily="34" charset="-120"/>
+                <a:ea typeface="微軟正黑體" pitchFamily="34" charset="-120"/>
+              </a:rPr>
+              <a:t>神</a:t>
+            </a:r>
+            <a:endParaRPr lang="en-US" altLang="zh-TW" sz="6600" b="1" dirty="0">
+              <a:solidFill>
+                <a:srgbClr val="002060"/>
+              </a:solidFill>
+              <a:effectLst>
+                <a:outerShdw blurRad="38100" dist="38100" dir="2700000" algn="tl">
+                  <a:srgbClr val="000000">
+                    <a:alpha val="43137"/>
+                  </a:srgbClr>
+                </a:outerShdw>
+              </a:effectLst>
+              <a:latin typeface="微軟正黑體" pitchFamily="34" charset="-120"/>
+              <a:ea typeface="微軟正黑體" pitchFamily="34" charset="-120"/>
+            </a:endParaRPr>
+          </a:p>
+          <a:p>
+            <a:pPr marL="0" indent="0" algn="ctr">
+              <a:buNone/>
+            </a:pPr>
+            <a:r>
+              <a:rPr lang="zh-TW" altLang="en-US" sz="6600" b="1" dirty="0">
+                <a:solidFill>
+                  <a:srgbClr val="002060"/>
+                </a:solidFill>
+                <a:effectLst>
+                  <a:outerShdw blurRad="38100" dist="38100" dir="2700000" algn="tl">
+                    <a:srgbClr val="000000">
+                      <a:alpha val="43137"/>
+                    </a:srgbClr>
+                  </a:outerShdw>
+                </a:effectLst>
+                <a:latin typeface="微軟正黑體" pitchFamily="34" charset="-120"/>
+                <a:ea typeface="微軟正黑體" pitchFamily="34" charset="-120"/>
+              </a:rPr>
+              <a:t>同</a:t>
+            </a:r>
+            <a:r>
+              <a:rPr lang="zh-TW" altLang="en-US" sz="6600" b="1" dirty="0">
+                <a:solidFill>
+                  <a:srgbClr val="002060"/>
+                </a:solidFill>
+                <a:effectLst>
+                  <a:outerShdw blurRad="38100" dist="38100" dir="2700000" algn="tl">
+                    <a:srgbClr val="000000">
+                      <a:alpha val="43137"/>
+                    </a:srgbClr>
+                  </a:outerShdw>
+                </a:effectLst>
+                <a:latin typeface="微軟正黑體" pitchFamily="34" charset="-120"/>
+                <a:ea typeface="微軟正黑體" pitchFamily="34" charset="-120"/>
+              </a:rPr>
+              <a:t>路極珍貴</a:t>
+            </a:r>
+            <a:endParaRPr lang="vi-VN" sz="6600" b="1" dirty="0">
+              <a:solidFill>
+                <a:srgbClr val="002060"/>
+              </a:solidFill>
+              <a:effectLst>
+                <a:outerShdw blurRad="38100" dist="38100" dir="2700000" algn="tl">
+                  <a:srgbClr val="000000">
+                    <a:alpha val="43137"/>
+                  </a:srgbClr>
+                </a:outerShdw>
+              </a:effectLst>
+              <a:latin typeface="微軟正黑體" pitchFamily="34" charset="-120"/>
+              <a:ea typeface="微軟正黑體" pitchFamily="34" charset="-120"/>
+            </a:endParaRPr>
+          </a:p>
+        </p:txBody>
+      </p:sp>
+    </p:spTree>
+    <p:extLst>
+      <p:ext uri="{BB962C8B-B14F-4D97-AF65-F5344CB8AC3E}">
+        <p14:creationId xmlns:p14="http://schemas.microsoft.com/office/powerpoint/2010/main" val="2688307395"/>
       </p:ext>
     </p:extLst>
   </p:cSld>
@@ -3383,112 +4488,164 @@
       </p:grpSpPr>
       <p:sp>
         <p:nvSpPr>
-          <p:cNvPr id="4" name="Title 3"/>
-          <p:cNvSpPr>
-            <a:spLocks noGrp="1"/>
-          </p:cNvSpPr>
-          <p:nvPr>
-            <p:ph type="title"/>
-          </p:nvPr>
-        </p:nvSpPr>
-        <p:spPr/>
-        <p:txBody>
-          <a:bodyPr>
+          <p:cNvPr id="5" name="內容版面配置區 4"/>
+          <p:cNvSpPr>
+            <a:spLocks noGrp="1"/>
+          </p:cNvSpPr>
+          <p:nvPr>
+            <p:ph idx="1"/>
+          </p:nvPr>
+        </p:nvSpPr>
+        <p:spPr>
+          <a:xfrm>
+            <a:off x="0" y="2084851"/>
+            <a:ext cx="12192000" cy="2404863"/>
+          </a:xfrm>
+        </p:spPr>
+        <p:txBody>
+          <a:bodyPr anchor="ctr">
             <a:normAutofit/>
           </a:bodyPr>
           <a:lstStyle/>
           <a:p>
-            <a:r>
-              <a:rPr lang="zh-CN" altLang="en-US" sz="4800" b="1" dirty="0">
-                <a:latin typeface="Microsoft JhengHei" panose="020B0604030504040204" pitchFamily="34" charset="-120"/>
-                <a:ea typeface="Microsoft JhengHei" panose="020B0604030504040204" pitchFamily="34" charset="-120"/>
-              </a:rPr>
-              <a:t>同路人</a:t>
-            </a:r>
-            <a:endParaRPr lang="vi-VN" sz="4800" b="1" dirty="0">
-              <a:ea typeface="Microsoft JhengHei" panose="020B0604030504040204" pitchFamily="34" charset="-120"/>
+            <a:pPr marL="0" indent="0" algn="ctr">
+              <a:buNone/>
+            </a:pPr>
+            <a:r>
+              <a:rPr lang="zh-TW" altLang="en-US" sz="6600" b="1" dirty="0" smtClean="0">
+                <a:solidFill>
+                  <a:srgbClr val="002060"/>
+                </a:solidFill>
+                <a:effectLst>
+                  <a:outerShdw blurRad="38100" dist="38100" dir="2700000" algn="tl">
+                    <a:srgbClr val="000000">
+                      <a:alpha val="43137"/>
+                    </a:srgbClr>
+                  </a:outerShdw>
+                </a:effectLst>
+                <a:latin typeface="微軟正黑體" pitchFamily="34" charset="-120"/>
+                <a:ea typeface="微軟正黑體" pitchFamily="34" charset="-120"/>
+              </a:rPr>
+              <a:t>念</a:t>
+            </a:r>
+            <a:r>
+              <a:rPr lang="zh-TW" altLang="en-US" sz="6600" b="1" dirty="0">
+                <a:solidFill>
+                  <a:srgbClr val="002060"/>
+                </a:solidFill>
+                <a:effectLst>
+                  <a:outerShdw blurRad="38100" dist="38100" dir="2700000" algn="tl">
+                    <a:srgbClr val="000000">
+                      <a:alpha val="43137"/>
+                    </a:srgbClr>
+                  </a:outerShdw>
+                </a:effectLst>
+                <a:latin typeface="微軟正黑體" pitchFamily="34" charset="-120"/>
+                <a:ea typeface="微軟正黑體" pitchFamily="34" charset="-120"/>
+              </a:rPr>
+              <a:t>那天起步  懷內滿掙扎</a:t>
+            </a:r>
+            <a:endParaRPr lang="en-US" altLang="zh-TW" sz="6600" b="1" dirty="0">
+              <a:solidFill>
+                <a:srgbClr val="002060"/>
+              </a:solidFill>
+              <a:effectLst>
+                <a:outerShdw blurRad="38100" dist="38100" dir="2700000" algn="tl">
+                  <a:srgbClr val="000000">
+                    <a:alpha val="43137"/>
+                  </a:srgbClr>
+                </a:outerShdw>
+              </a:effectLst>
+              <a:latin typeface="微軟正黑體" pitchFamily="34" charset="-120"/>
+              <a:ea typeface="微軟正黑體" pitchFamily="34" charset="-120"/>
             </a:endParaRPr>
           </a:p>
-        </p:txBody>
-      </p:sp>
-      <p:sp>
-        <p:nvSpPr>
-          <p:cNvPr id="5" name="Content Placeholder 4"/>
-          <p:cNvSpPr>
-            <a:spLocks noGrp="1"/>
-          </p:cNvSpPr>
-          <p:nvPr>
-            <p:ph idx="1"/>
-          </p:nvPr>
-        </p:nvSpPr>
-        <p:spPr/>
-        <p:txBody>
-          <a:bodyPr>
-            <a:normAutofit/>
+          <a:p>
+            <a:pPr marL="0" indent="0" algn="ctr">
+              <a:buNone/>
+            </a:pPr>
+            <a:r>
+              <a:rPr lang="zh-TW" altLang="en-US" sz="6600" b="1" dirty="0">
+                <a:solidFill>
+                  <a:srgbClr val="002060"/>
+                </a:solidFill>
+                <a:effectLst>
+                  <a:outerShdw blurRad="38100" dist="38100" dir="2700000" algn="tl">
+                    <a:srgbClr val="000000">
+                      <a:alpha val="43137"/>
+                    </a:srgbClr>
+                  </a:outerShdw>
+                </a:effectLst>
+                <a:latin typeface="微軟正黑體" pitchFamily="34" charset="-120"/>
+                <a:ea typeface="微軟正黑體" pitchFamily="34" charset="-120"/>
+              </a:rPr>
+              <a:t>誰料覓真理  路遠又險窄</a:t>
+            </a:r>
+            <a:endParaRPr lang="en-US" altLang="zh-TW" sz="6600" b="1" dirty="0">
+              <a:solidFill>
+                <a:srgbClr val="002060"/>
+              </a:solidFill>
+              <a:effectLst>
+                <a:outerShdw blurRad="38100" dist="38100" dir="2700000" algn="tl">
+                  <a:srgbClr val="000000">
+                    <a:alpha val="43137"/>
+                  </a:srgbClr>
+                </a:outerShdw>
+              </a:effectLst>
+              <a:latin typeface="微軟正黑體" pitchFamily="34" charset="-120"/>
+              <a:ea typeface="微軟正黑體" pitchFamily="34" charset="-120"/>
+            </a:endParaRPr>
+          </a:p>
+        </p:txBody>
+      </p:sp>
+      <p:sp>
+        <p:nvSpPr>
+          <p:cNvPr id="3" name="TextBox 2"/>
+          <p:cNvSpPr txBox="1"/>
+          <p:nvPr/>
+        </p:nvSpPr>
+        <p:spPr>
+          <a:xfrm>
+            <a:off x="440267" y="2290768"/>
+            <a:ext cx="897467" cy="1015663"/>
+          </a:xfrm>
+          <a:prstGeom prst="rect">
+            <a:avLst/>
+          </a:prstGeom>
+          <a:noFill/>
+        </p:spPr>
+        <p:txBody>
+          <a:bodyPr wrap="square" rtlCol="0">
+            <a:spAutoFit/>
           </a:bodyPr>
           <a:lstStyle/>
           <a:p>
-            <a:pPr marL="0" indent="0" algn="ctr">
-              <a:buNone/>
-            </a:pPr>
-            <a:r>
-              <a:rPr lang="zh-TW" altLang="en-US" sz="5400" b="1" dirty="0">
-                <a:latin typeface="Microsoft JhengHei" panose="020B0604030504040204" pitchFamily="34" charset="-120"/>
-                <a:ea typeface="Microsoft JhengHei" panose="020B0604030504040204" pitchFamily="34" charset="-120"/>
-              </a:rPr>
-              <a:t>碰到挫拆我掛慮  肩擔重壓我困累</a:t>
-            </a:r>
-            <a:endParaRPr lang="en-US" altLang="zh-TW" sz="5400" b="1" dirty="0">
-              <a:latin typeface="Microsoft JhengHei" panose="020B0604030504040204" pitchFamily="34" charset="-120"/>
-              <a:ea typeface="Microsoft JhengHei" panose="020B0604030504040204" pitchFamily="34" charset="-120"/>
-            </a:endParaRPr>
-          </a:p>
-          <a:p>
-            <a:pPr marL="0" indent="0" algn="ctr">
-              <a:buNone/>
-            </a:pPr>
-            <a:r>
-              <a:rPr lang="zh-TW" altLang="en-US" sz="5400" b="1" dirty="0">
-                <a:latin typeface="Microsoft JhengHei" panose="020B0604030504040204" pitchFamily="34" charset="-120"/>
-                <a:ea typeface="Microsoft JhengHei" panose="020B0604030504040204" pitchFamily="34" charset="-120"/>
-              </a:rPr>
-              <a:t>一生幾多試與煉  你為我祈禱</a:t>
-            </a:r>
-            <a:endParaRPr lang="en-US" altLang="zh-TW" sz="5400" b="1" dirty="0">
-              <a:latin typeface="Microsoft JhengHei" panose="020B0604030504040204" pitchFamily="34" charset="-120"/>
-              <a:ea typeface="Microsoft JhengHei" panose="020B0604030504040204" pitchFamily="34" charset="-120"/>
-            </a:endParaRPr>
-          </a:p>
-          <a:p>
-            <a:pPr marL="0" indent="0" algn="ctr">
-              <a:buNone/>
-            </a:pPr>
-            <a:r>
-              <a:rPr lang="zh-TW" altLang="en-US" sz="5400" b="1" dirty="0">
-                <a:latin typeface="Microsoft JhengHei" panose="020B0604030504040204" pitchFamily="34" charset="-120"/>
-                <a:ea typeface="Microsoft JhengHei" panose="020B0604030504040204" pitchFamily="34" charset="-120"/>
-              </a:rPr>
-              <a:t>見到快慰開心事  但願樣樣你分嚐</a:t>
-            </a:r>
-            <a:endParaRPr lang="en-US" altLang="zh-TW" sz="5400" b="1" dirty="0">
-              <a:latin typeface="Microsoft JhengHei" panose="020B0604030504040204" pitchFamily="34" charset="-120"/>
-              <a:ea typeface="Microsoft JhengHei" panose="020B0604030504040204" pitchFamily="34" charset="-120"/>
-            </a:endParaRPr>
-          </a:p>
-          <a:p>
-            <a:pPr marL="0" indent="0" algn="ctr">
-              <a:buNone/>
-            </a:pPr>
-            <a:r>
-              <a:rPr lang="zh-TW" altLang="en-US" sz="5400" b="1" dirty="0">
-                <a:latin typeface="Microsoft JhengHei" panose="020B0604030504040204" pitchFamily="34" charset="-120"/>
-                <a:ea typeface="Microsoft JhengHei" panose="020B0604030504040204" pitchFamily="34" charset="-120"/>
-              </a:rPr>
-              <a:t>為你感謝神  同路極珍貴</a:t>
-            </a:r>
-            <a:endParaRPr lang="vi-VN" sz="5400" b="1" dirty="0">
-              <a:latin typeface="Microsoft JhengHei" panose="020B0604030504040204" pitchFamily="34" charset="-120"/>
-              <a:ea typeface="Microsoft JhengHei" panose="020B0604030504040204" pitchFamily="34" charset="-120"/>
+            <a:r>
+              <a:rPr lang="en-US" sz="6000" b="1" dirty="0" smtClean="0">
+                <a:solidFill>
+                  <a:srgbClr val="002060"/>
+                </a:solidFill>
+                <a:effectLst>
+                  <a:outerShdw blurRad="38100" dist="38100" dir="2700000" algn="tl">
+                    <a:srgbClr val="000000">
+                      <a:alpha val="43137"/>
+                    </a:srgbClr>
+                  </a:outerShdw>
+                </a:effectLst>
+              </a:rPr>
+              <a:t>1.</a:t>
+            </a:r>
+            <a:endParaRPr lang="vi-VN" sz="6000" b="1" dirty="0">
+              <a:solidFill>
+                <a:srgbClr val="002060"/>
+              </a:solidFill>
+              <a:effectLst>
+                <a:outerShdw blurRad="38100" dist="38100" dir="2700000" algn="tl">
+                  <a:srgbClr val="000000">
+                    <a:alpha val="43137"/>
+                  </a:srgbClr>
+                </a:outerShdw>
+              </a:effectLst>
             </a:endParaRPr>
           </a:p>
         </p:txBody>
@@ -3496,7 +4653,7 @@
     </p:spTree>
     <p:extLst>
       <p:ext uri="{BB962C8B-B14F-4D97-AF65-F5344CB8AC3E}">
-        <p14:creationId xmlns:p14="http://schemas.microsoft.com/office/powerpoint/2010/main" val="3209782966"/>
+        <p14:creationId xmlns:p14="http://schemas.microsoft.com/office/powerpoint/2010/main" val="3171644317"/>
       </p:ext>
     </p:extLst>
   </p:cSld>
@@ -3525,126 +4682,109 @@
       </p:grpSpPr>
       <p:sp>
         <p:nvSpPr>
-          <p:cNvPr id="4" name="Title 3"/>
-          <p:cNvSpPr>
-            <a:spLocks noGrp="1"/>
-          </p:cNvSpPr>
-          <p:nvPr>
-            <p:ph type="title"/>
-          </p:nvPr>
-        </p:nvSpPr>
-        <p:spPr/>
-        <p:txBody>
-          <a:bodyPr>
+          <p:cNvPr id="5" name="內容版面配置區 4"/>
+          <p:cNvSpPr>
+            <a:spLocks noGrp="1"/>
+          </p:cNvSpPr>
+          <p:nvPr>
+            <p:ph idx="1"/>
+          </p:nvPr>
+        </p:nvSpPr>
+        <p:spPr>
+          <a:xfrm>
+            <a:off x="0" y="2084851"/>
+            <a:ext cx="12192000" cy="2404863"/>
+          </a:xfrm>
+        </p:spPr>
+        <p:txBody>
+          <a:bodyPr anchor="ctr">
             <a:normAutofit/>
           </a:bodyPr>
           <a:lstStyle/>
           <a:p>
-            <a:r>
-              <a:rPr lang="zh-CN" altLang="en-US" sz="4800" b="1" dirty="0">
-                <a:latin typeface="Microsoft JhengHei" panose="020B0604030504040204" pitchFamily="34" charset="-120"/>
-                <a:ea typeface="Microsoft JhengHei" panose="020B0604030504040204" pitchFamily="34" charset="-120"/>
-              </a:rPr>
-              <a:t>同路人</a:t>
-            </a:r>
-            <a:endParaRPr lang="vi-VN" sz="4800" b="1" dirty="0">
-              <a:ea typeface="Microsoft JhengHei" panose="020B0604030504040204" pitchFamily="34" charset="-120"/>
+            <a:pPr marL="0" indent="0" algn="ctr">
+              <a:buNone/>
+            </a:pPr>
+            <a:r>
+              <a:rPr lang="zh-TW" altLang="en-US" sz="6600" b="1" dirty="0">
+                <a:solidFill>
+                  <a:srgbClr val="002060"/>
+                </a:solidFill>
+                <a:effectLst>
+                  <a:outerShdw blurRad="38100" dist="38100" dir="2700000" algn="tl">
+                    <a:srgbClr val="000000">
+                      <a:alpha val="43137"/>
+                    </a:srgbClr>
+                  </a:outerShdw>
+                </a:effectLst>
+                <a:latin typeface="微軟正黑體" pitchFamily="34" charset="-120"/>
+                <a:ea typeface="微軟正黑體" pitchFamily="34" charset="-120"/>
+              </a:rPr>
+              <a:t>越過眾山嶺  還望你鞭策</a:t>
+            </a:r>
+            <a:endParaRPr lang="en-US" altLang="zh-TW" sz="6600" b="1" dirty="0">
+              <a:solidFill>
+                <a:srgbClr val="002060"/>
+              </a:solidFill>
+              <a:effectLst>
+                <a:outerShdw blurRad="38100" dist="38100" dir="2700000" algn="tl">
+                  <a:srgbClr val="000000">
+                    <a:alpha val="43137"/>
+                  </a:srgbClr>
+                </a:outerShdw>
+              </a:effectLst>
+              <a:latin typeface="微軟正黑體" pitchFamily="34" charset="-120"/>
+              <a:ea typeface="微軟正黑體" pitchFamily="34" charset="-120"/>
             </a:endParaRPr>
           </a:p>
-        </p:txBody>
-      </p:sp>
-      <p:sp>
-        <p:nvSpPr>
-          <p:cNvPr id="5" name="Content Placeholder 4"/>
-          <p:cNvSpPr>
-            <a:spLocks noGrp="1"/>
-          </p:cNvSpPr>
-          <p:nvPr>
-            <p:ph idx="1"/>
-          </p:nvPr>
-        </p:nvSpPr>
-        <p:spPr/>
-        <p:txBody>
-          <a:bodyPr>
-            <a:normAutofit/>
-          </a:bodyPr>
-          <a:lstStyle/>
           <a:p>
             <a:pPr marL="0" indent="0" algn="ctr">
               <a:buNone/>
             </a:pPr>
             <a:r>
-              <a:rPr lang="zh-TW" altLang="en-US" sz="5400" b="1" dirty="0">
-                <a:latin typeface="Microsoft JhengHei" panose="020B0604030504040204" pitchFamily="34" charset="-120"/>
-                <a:ea typeface="Microsoft JhengHei" panose="020B0604030504040204" pitchFamily="34" charset="-120"/>
-              </a:rPr>
-              <a:t>自你同上路  懷內滿興奮</a:t>
-            </a:r>
-            <a:endParaRPr lang="en-US" altLang="zh-TW" sz="5400" b="1" dirty="0">
-              <a:latin typeface="Microsoft JhengHei" panose="020B0604030504040204" pitchFamily="34" charset="-120"/>
-              <a:ea typeface="Microsoft JhengHei" panose="020B0604030504040204" pitchFamily="34" charset="-120"/>
+              <a:rPr lang="zh-TW" altLang="en-US" sz="6600" b="1" dirty="0">
+                <a:solidFill>
+                  <a:srgbClr val="002060"/>
+                </a:solidFill>
+                <a:effectLst>
+                  <a:outerShdw blurRad="38100" dist="38100" dir="2700000" algn="tl">
+                    <a:srgbClr val="000000">
+                      <a:alpha val="43137"/>
+                    </a:srgbClr>
+                  </a:outerShdw>
+                </a:effectLst>
+                <a:latin typeface="微軟正黑體" pitchFamily="34" charset="-120"/>
+                <a:ea typeface="微軟正黑體" pitchFamily="34" charset="-120"/>
+              </a:rPr>
+              <a:t>迷路我驚慌  盼為我導引</a:t>
+            </a:r>
+            <a:endParaRPr lang="vi-VN" sz="6600" b="1" dirty="0">
+              <a:solidFill>
+                <a:srgbClr val="002060"/>
+              </a:solidFill>
+              <a:effectLst>
+                <a:outerShdw blurRad="38100" dist="38100" dir="2700000" algn="tl">
+                  <a:srgbClr val="000000">
+                    <a:alpha val="43137"/>
+                  </a:srgbClr>
+                </a:outerShdw>
+              </a:effectLst>
+              <a:latin typeface="微軟正黑體" pitchFamily="34" charset="-120"/>
+              <a:ea typeface="微軟正黑體" pitchFamily="34" charset="-120"/>
             </a:endParaRPr>
           </a:p>
-          <a:p>
-            <a:pPr marL="0" indent="0" algn="ctr">
-              <a:buNone/>
-            </a:pPr>
-            <a:r>
-              <a:rPr lang="zh-TW" altLang="en-US" sz="5400" b="1" dirty="0">
-                <a:latin typeface="Microsoft JhengHei" panose="020B0604030504040204" pitchFamily="34" charset="-120"/>
-                <a:ea typeface="Microsoft JhengHei" panose="020B0604030504040204" pitchFamily="34" charset="-120"/>
-              </a:rPr>
-              <a:t>同實現真理  路遠能呼應</a:t>
-            </a:r>
-            <a:endParaRPr lang="en-US" altLang="zh-TW" sz="5400" b="1" dirty="0">
-              <a:latin typeface="Microsoft JhengHei" panose="020B0604030504040204" pitchFamily="34" charset="-120"/>
-              <a:ea typeface="Microsoft JhengHei" panose="020B0604030504040204" pitchFamily="34" charset="-120"/>
-            </a:endParaRPr>
-          </a:p>
-          <a:p>
-            <a:pPr marL="0" indent="0" algn="ctr">
-              <a:buNone/>
-            </a:pPr>
-            <a:r>
-              <a:rPr lang="zh-TW" altLang="en-US" sz="5400" b="1" dirty="0">
-                <a:latin typeface="Microsoft JhengHei" panose="020B0604030504040204" pitchFamily="34" charset="-120"/>
-                <a:ea typeface="Microsoft JhengHei" panose="020B0604030504040204" pitchFamily="34" charset="-120"/>
-              </a:rPr>
-              <a:t>俗世多圈套  常望你督責</a:t>
-            </a:r>
-            <a:endParaRPr lang="en-US" altLang="zh-TW" sz="5400" b="1" dirty="0">
-              <a:latin typeface="Microsoft JhengHei" panose="020B0604030504040204" pitchFamily="34" charset="-120"/>
-              <a:ea typeface="Microsoft JhengHei" panose="020B0604030504040204" pitchFamily="34" charset="-120"/>
-            </a:endParaRPr>
-          </a:p>
-          <a:p>
-            <a:pPr marL="0" indent="0" algn="ctr">
-              <a:buNone/>
-            </a:pPr>
-            <a:r>
-              <a:rPr lang="zh-TW" altLang="en-US" sz="5400" b="1" dirty="0">
-                <a:latin typeface="Microsoft JhengHei" panose="020B0604030504040204" pitchFamily="34" charset="-120"/>
-                <a:ea typeface="Microsoft JhengHei" panose="020B0604030504040204" pitchFamily="34" charset="-120"/>
-              </a:rPr>
-              <a:t>求為我祝福  努力不後退</a:t>
-            </a:r>
-            <a:endParaRPr lang="vi-VN" sz="5400" b="1" dirty="0">
-              <a:latin typeface="Microsoft JhengHei" panose="020B0604030504040204" pitchFamily="34" charset="-120"/>
-              <a:ea typeface="Microsoft JhengHei" panose="020B0604030504040204" pitchFamily="34" charset="-120"/>
-            </a:endParaRPr>
-          </a:p>
-        </p:txBody>
-      </p:sp>
-      <p:sp>
-        <p:nvSpPr>
-          <p:cNvPr id="6" name="TextBox 5"/>
+        </p:txBody>
+      </p:sp>
+      <p:sp>
+        <p:nvSpPr>
+          <p:cNvPr id="3" name="TextBox 2"/>
           <p:cNvSpPr txBox="1"/>
           <p:nvPr/>
         </p:nvSpPr>
         <p:spPr>
           <a:xfrm>
-            <a:off x="609600" y="1600201"/>
-            <a:ext cx="1354667" cy="1015663"/>
+            <a:off x="440267" y="2290768"/>
+            <a:ext cx="897467" cy="1015663"/>
           </a:xfrm>
           <a:prstGeom prst="rect">
             <a:avLst/>
@@ -3658,21 +4798,39 @@
           <a:lstStyle/>
           <a:p>
             <a:r>
-              <a:rPr lang="en-US" sz="6000" b="1" dirty="0"/>
-              <a:t>2</a:t>
-            </a:r>
-            <a:r>
-              <a:rPr lang="en-US" sz="6000" b="1" dirty="0" smtClean="0"/>
-              <a:t>.</a:t>
-            </a:r>
-            <a:endParaRPr lang="vi-VN" sz="6000" b="1" dirty="0"/>
+              <a:rPr lang="en-US" sz="6000" b="1" dirty="0" smtClean="0">
+                <a:solidFill>
+                  <a:srgbClr val="002060"/>
+                </a:solidFill>
+                <a:effectLst>
+                  <a:outerShdw blurRad="38100" dist="38100" dir="2700000" algn="tl">
+                    <a:srgbClr val="000000">
+                      <a:alpha val="43137"/>
+                    </a:srgbClr>
+                  </a:outerShdw>
+                </a:effectLst>
+              </a:rPr>
+              <a:t>1.</a:t>
+            </a:r>
+            <a:endParaRPr lang="vi-VN" sz="6000" b="1" dirty="0">
+              <a:solidFill>
+                <a:srgbClr val="002060"/>
+              </a:solidFill>
+              <a:effectLst>
+                <a:outerShdw blurRad="38100" dist="38100" dir="2700000" algn="tl">
+                  <a:srgbClr val="000000">
+                    <a:alpha val="43137"/>
+                  </a:srgbClr>
+                </a:outerShdw>
+              </a:effectLst>
+            </a:endParaRPr>
           </a:p>
         </p:txBody>
       </p:sp>
     </p:spTree>
     <p:extLst>
       <p:ext uri="{BB962C8B-B14F-4D97-AF65-F5344CB8AC3E}">
-        <p14:creationId xmlns:p14="http://schemas.microsoft.com/office/powerpoint/2010/main" val="1903652159"/>
+        <p14:creationId xmlns:p14="http://schemas.microsoft.com/office/powerpoint/2010/main" val="985302162"/>
       </p:ext>
     </p:extLst>
   </p:cSld>
@@ -3701,112 +4859,129 @@
       </p:grpSpPr>
       <p:sp>
         <p:nvSpPr>
-          <p:cNvPr id="4" name="Title 3"/>
-          <p:cNvSpPr>
-            <a:spLocks noGrp="1"/>
-          </p:cNvSpPr>
-          <p:nvPr>
-            <p:ph type="title"/>
-          </p:nvPr>
-        </p:nvSpPr>
-        <p:spPr/>
-        <p:txBody>
-          <a:bodyPr>
+          <p:cNvPr id="5" name="內容版面配置區 4"/>
+          <p:cNvSpPr>
+            <a:spLocks noGrp="1"/>
+          </p:cNvSpPr>
+          <p:nvPr>
+            <p:ph idx="1"/>
+          </p:nvPr>
+        </p:nvSpPr>
+        <p:spPr>
+          <a:xfrm>
+            <a:off x="0" y="2084851"/>
+            <a:ext cx="12192000" cy="2404863"/>
+          </a:xfrm>
+        </p:spPr>
+        <p:txBody>
+          <a:bodyPr anchor="ctr">
             <a:normAutofit/>
           </a:bodyPr>
           <a:lstStyle/>
           <a:p>
-            <a:r>
-              <a:rPr lang="zh-CN" altLang="en-US" sz="4800" b="1" dirty="0">
-                <a:latin typeface="Microsoft JhengHei" panose="020B0604030504040204" pitchFamily="34" charset="-120"/>
-                <a:ea typeface="Microsoft JhengHei" panose="020B0604030504040204" pitchFamily="34" charset="-120"/>
-              </a:rPr>
-              <a:t>同路人</a:t>
-            </a:r>
-            <a:endParaRPr lang="vi-VN" sz="4800" b="1" dirty="0">
-              <a:ea typeface="Microsoft JhengHei" panose="020B0604030504040204" pitchFamily="34" charset="-120"/>
+            <a:pPr marL="0" indent="0" algn="ctr">
+              <a:buNone/>
+            </a:pPr>
+            <a:r>
+              <a:rPr lang="zh-TW" altLang="en-US" sz="6600" b="1" dirty="0">
+                <a:solidFill>
+                  <a:srgbClr val="002060"/>
+                </a:solidFill>
+                <a:effectLst>
+                  <a:outerShdw blurRad="38100" dist="38100" dir="2700000" algn="tl">
+                    <a:srgbClr val="000000">
+                      <a:alpha val="43137"/>
+                    </a:srgbClr>
+                  </a:outerShdw>
+                </a:effectLst>
+                <a:latin typeface="微軟正黑體" pitchFamily="34" charset="-120"/>
+                <a:ea typeface="微軟正黑體" pitchFamily="34" charset="-120"/>
+              </a:rPr>
+              <a:t>碰到挫拆我掛</a:t>
+            </a:r>
+            <a:r>
+              <a:rPr lang="zh-TW" altLang="en-US" sz="6600" b="1" dirty="0">
+                <a:solidFill>
+                  <a:srgbClr val="002060"/>
+                </a:solidFill>
+                <a:effectLst>
+                  <a:outerShdw blurRad="38100" dist="38100" dir="2700000" algn="tl">
+                    <a:srgbClr val="000000">
+                      <a:alpha val="43137"/>
+                    </a:srgbClr>
+                  </a:outerShdw>
+                </a:effectLst>
+                <a:latin typeface="微軟正黑體" pitchFamily="34" charset="-120"/>
+                <a:ea typeface="微軟正黑體" pitchFamily="34" charset="-120"/>
+              </a:rPr>
+              <a:t>慮</a:t>
+            </a:r>
+            <a:endParaRPr lang="en-US" altLang="zh-TW" sz="6600" b="1" dirty="0">
+              <a:solidFill>
+                <a:srgbClr val="002060"/>
+              </a:solidFill>
+              <a:effectLst>
+                <a:outerShdw blurRad="38100" dist="38100" dir="2700000" algn="tl">
+                  <a:srgbClr val="000000">
+                    <a:alpha val="43137"/>
+                  </a:srgbClr>
+                </a:outerShdw>
+              </a:effectLst>
+              <a:latin typeface="微軟正黑體" pitchFamily="34" charset="-120"/>
+              <a:ea typeface="微軟正黑體" pitchFamily="34" charset="-120"/>
             </a:endParaRPr>
           </a:p>
-        </p:txBody>
-      </p:sp>
-      <p:sp>
-        <p:nvSpPr>
-          <p:cNvPr id="5" name="Content Placeholder 4"/>
-          <p:cNvSpPr>
-            <a:spLocks noGrp="1"/>
-          </p:cNvSpPr>
-          <p:nvPr>
-            <p:ph idx="1"/>
-          </p:nvPr>
-        </p:nvSpPr>
-        <p:spPr/>
-        <p:txBody>
-          <a:bodyPr>
-            <a:normAutofit/>
-          </a:bodyPr>
-          <a:lstStyle/>
           <a:p>
             <a:pPr marL="0" indent="0" algn="ctr">
               <a:buNone/>
             </a:pPr>
             <a:r>
-              <a:rPr lang="zh-TW" altLang="en-US" sz="5400" b="1" dirty="0">
-                <a:latin typeface="Microsoft JhengHei" panose="020B0604030504040204" pitchFamily="34" charset="-120"/>
-                <a:ea typeface="Microsoft JhengHei" panose="020B0604030504040204" pitchFamily="34" charset="-120"/>
-              </a:rPr>
-              <a:t>碰到挫拆我掛慮  肩擔重壓我困累</a:t>
-            </a:r>
-            <a:endParaRPr lang="en-US" altLang="zh-TW" sz="5400" b="1" dirty="0">
-              <a:latin typeface="Microsoft JhengHei" panose="020B0604030504040204" pitchFamily="34" charset="-120"/>
-              <a:ea typeface="Microsoft JhengHei" panose="020B0604030504040204" pitchFamily="34" charset="-120"/>
-            </a:endParaRPr>
-          </a:p>
-          <a:p>
-            <a:pPr marL="0" indent="0" algn="ctr">
-              <a:buNone/>
-            </a:pPr>
-            <a:r>
-              <a:rPr lang="zh-TW" altLang="en-US" sz="5400" b="1" dirty="0">
-                <a:latin typeface="Microsoft JhengHei" panose="020B0604030504040204" pitchFamily="34" charset="-120"/>
-                <a:ea typeface="Microsoft JhengHei" panose="020B0604030504040204" pitchFamily="34" charset="-120"/>
-              </a:rPr>
-              <a:t>一生幾多試與煉  你為我祈禱</a:t>
-            </a:r>
-            <a:endParaRPr lang="en-US" altLang="zh-TW" sz="5400" b="1" dirty="0">
-              <a:latin typeface="Microsoft JhengHei" panose="020B0604030504040204" pitchFamily="34" charset="-120"/>
-              <a:ea typeface="Microsoft JhengHei" panose="020B0604030504040204" pitchFamily="34" charset="-120"/>
-            </a:endParaRPr>
-          </a:p>
-          <a:p>
-            <a:pPr marL="0" indent="0" algn="ctr">
-              <a:buNone/>
-            </a:pPr>
-            <a:r>
-              <a:rPr lang="zh-TW" altLang="en-US" sz="5400" b="1" dirty="0">
-                <a:latin typeface="Microsoft JhengHei" panose="020B0604030504040204" pitchFamily="34" charset="-120"/>
-                <a:ea typeface="Microsoft JhengHei" panose="020B0604030504040204" pitchFamily="34" charset="-120"/>
-              </a:rPr>
-              <a:t>見到快慰開心事  但願樣樣你分嚐</a:t>
-            </a:r>
-            <a:endParaRPr lang="en-US" altLang="zh-TW" sz="5400" b="1" dirty="0">
-              <a:latin typeface="Microsoft JhengHei" panose="020B0604030504040204" pitchFamily="34" charset="-120"/>
-              <a:ea typeface="Microsoft JhengHei" panose="020B0604030504040204" pitchFamily="34" charset="-120"/>
-            </a:endParaRPr>
-          </a:p>
-          <a:p>
-            <a:pPr marL="0" indent="0" algn="ctr">
-              <a:buNone/>
-            </a:pPr>
-            <a:r>
-              <a:rPr lang="zh-TW" altLang="en-US" sz="5400" b="1" dirty="0">
-                <a:latin typeface="Microsoft JhengHei" panose="020B0604030504040204" pitchFamily="34" charset="-120"/>
-                <a:ea typeface="Microsoft JhengHei" panose="020B0604030504040204" pitchFamily="34" charset="-120"/>
-              </a:rPr>
-              <a:t>為你感謝神  同路極珍貴</a:t>
-            </a:r>
-            <a:endParaRPr lang="vi-VN" sz="5400" b="1" dirty="0">
-              <a:latin typeface="Microsoft JhengHei" panose="020B0604030504040204" pitchFamily="34" charset="-120"/>
-              <a:ea typeface="Microsoft JhengHei" panose="020B0604030504040204" pitchFamily="34" charset="-120"/>
+              <a:rPr lang="zh-TW" altLang="en-US" sz="6600" b="1" dirty="0">
+                <a:solidFill>
+                  <a:srgbClr val="002060"/>
+                </a:solidFill>
+                <a:effectLst>
+                  <a:outerShdw blurRad="38100" dist="38100" dir="2700000" algn="tl">
+                    <a:srgbClr val="000000">
+                      <a:alpha val="43137"/>
+                    </a:srgbClr>
+                  </a:outerShdw>
+                </a:effectLst>
+                <a:latin typeface="微軟正黑體" pitchFamily="34" charset="-120"/>
+                <a:ea typeface="微軟正黑體" pitchFamily="34" charset="-120"/>
+              </a:rPr>
+              <a:t>肩</a:t>
+            </a:r>
+            <a:r>
+              <a:rPr lang="zh-TW" altLang="en-US" sz="6600" b="1" dirty="0">
+                <a:solidFill>
+                  <a:srgbClr val="002060"/>
+                </a:solidFill>
+                <a:effectLst>
+                  <a:outerShdw blurRad="38100" dist="38100" dir="2700000" algn="tl">
+                    <a:srgbClr val="000000">
+                      <a:alpha val="43137"/>
+                    </a:srgbClr>
+                  </a:outerShdw>
+                </a:effectLst>
+                <a:latin typeface="微軟正黑體" pitchFamily="34" charset="-120"/>
+                <a:ea typeface="微軟正黑體" pitchFamily="34" charset="-120"/>
+              </a:rPr>
+              <a:t>擔重壓我困累</a:t>
+            </a:r>
+            <a:endParaRPr lang="en-US" altLang="zh-TW" sz="6600" b="1" dirty="0">
+              <a:solidFill>
+                <a:srgbClr val="002060"/>
+              </a:solidFill>
+              <a:effectLst>
+                <a:outerShdw blurRad="38100" dist="38100" dir="2700000" algn="tl">
+                  <a:srgbClr val="000000">
+                    <a:alpha val="43137"/>
+                  </a:srgbClr>
+                </a:outerShdw>
+              </a:effectLst>
+              <a:latin typeface="微軟正黑體" pitchFamily="34" charset="-120"/>
+              <a:ea typeface="微軟正黑體" pitchFamily="34" charset="-120"/>
             </a:endParaRPr>
           </a:p>
         </p:txBody>
@@ -3814,7 +4989,868 @@
     </p:spTree>
     <p:extLst>
       <p:ext uri="{BB962C8B-B14F-4D97-AF65-F5344CB8AC3E}">
-        <p14:creationId xmlns:p14="http://schemas.microsoft.com/office/powerpoint/2010/main" val="887769767"/>
+        <p14:creationId xmlns:p14="http://schemas.microsoft.com/office/powerpoint/2010/main" val="2996028591"/>
+      </p:ext>
+    </p:extLst>
+  </p:cSld>
+  <p:clrMapOvr>
+    <a:masterClrMapping/>
+  </p:clrMapOvr>
+</p:sld>
+</file>
+
+<file path=ppt/slides/slide5.xml><?xml version="1.0" encoding="utf-8"?>
+<p:sld xmlns:a="http://schemas.openxmlformats.org/drawingml/2006/main" xmlns:r="http://schemas.openxmlformats.org/officeDocument/2006/relationships" xmlns:p="http://schemas.openxmlformats.org/presentationml/2006/main">
+  <p:cSld>
+    <p:spTree>
+      <p:nvGrpSpPr>
+        <p:cNvPr id="1" name=""/>
+        <p:cNvGrpSpPr/>
+        <p:nvPr/>
+      </p:nvGrpSpPr>
+      <p:grpSpPr>
+        <a:xfrm>
+          <a:off x="0" y="0"/>
+          <a:ext cx="0" cy="0"/>
+          <a:chOff x="0" y="0"/>
+          <a:chExt cx="0" cy="0"/>
+        </a:xfrm>
+      </p:grpSpPr>
+      <p:sp>
+        <p:nvSpPr>
+          <p:cNvPr id="5" name="內容版面配置區 4"/>
+          <p:cNvSpPr>
+            <a:spLocks noGrp="1"/>
+          </p:cNvSpPr>
+          <p:nvPr>
+            <p:ph idx="1"/>
+          </p:nvPr>
+        </p:nvSpPr>
+        <p:spPr>
+          <a:xfrm>
+            <a:off x="0" y="2084851"/>
+            <a:ext cx="12192000" cy="2404863"/>
+          </a:xfrm>
+        </p:spPr>
+        <p:txBody>
+          <a:bodyPr anchor="ctr">
+            <a:normAutofit/>
+          </a:bodyPr>
+          <a:lstStyle/>
+          <a:p>
+            <a:pPr marL="0" indent="0" algn="ctr">
+              <a:buNone/>
+            </a:pPr>
+            <a:r>
+              <a:rPr lang="zh-TW" altLang="en-US" sz="6600" b="1" dirty="0">
+                <a:solidFill>
+                  <a:srgbClr val="002060"/>
+                </a:solidFill>
+                <a:effectLst>
+                  <a:outerShdw blurRad="38100" dist="38100" dir="2700000" algn="tl">
+                    <a:srgbClr val="000000">
+                      <a:alpha val="43137"/>
+                    </a:srgbClr>
+                  </a:outerShdw>
+                </a:effectLst>
+                <a:latin typeface="微軟正黑體" pitchFamily="34" charset="-120"/>
+                <a:ea typeface="微軟正黑體" pitchFamily="34" charset="-120"/>
+              </a:rPr>
+              <a:t>一生幾多試與</a:t>
+            </a:r>
+            <a:r>
+              <a:rPr lang="zh-TW" altLang="en-US" sz="6600" b="1" dirty="0">
+                <a:solidFill>
+                  <a:srgbClr val="002060"/>
+                </a:solidFill>
+                <a:effectLst>
+                  <a:outerShdw blurRad="38100" dist="38100" dir="2700000" algn="tl">
+                    <a:srgbClr val="000000">
+                      <a:alpha val="43137"/>
+                    </a:srgbClr>
+                  </a:outerShdw>
+                </a:effectLst>
+                <a:latin typeface="微軟正黑體" pitchFamily="34" charset="-120"/>
+                <a:ea typeface="微軟正黑體" pitchFamily="34" charset="-120"/>
+              </a:rPr>
+              <a:t>煉</a:t>
+            </a:r>
+            <a:endParaRPr lang="en-US" altLang="zh-TW" sz="6600" b="1" dirty="0">
+              <a:solidFill>
+                <a:srgbClr val="002060"/>
+              </a:solidFill>
+              <a:effectLst>
+                <a:outerShdw blurRad="38100" dist="38100" dir="2700000" algn="tl">
+                  <a:srgbClr val="000000">
+                    <a:alpha val="43137"/>
+                  </a:srgbClr>
+                </a:outerShdw>
+              </a:effectLst>
+              <a:latin typeface="微軟正黑體" pitchFamily="34" charset="-120"/>
+              <a:ea typeface="微軟正黑體" pitchFamily="34" charset="-120"/>
+            </a:endParaRPr>
+          </a:p>
+          <a:p>
+            <a:pPr marL="0" indent="0" algn="ctr">
+              <a:buNone/>
+            </a:pPr>
+            <a:r>
+              <a:rPr lang="zh-TW" altLang="en-US" sz="6600" b="1" dirty="0">
+                <a:solidFill>
+                  <a:srgbClr val="002060"/>
+                </a:solidFill>
+                <a:effectLst>
+                  <a:outerShdw blurRad="38100" dist="38100" dir="2700000" algn="tl">
+                    <a:srgbClr val="000000">
+                      <a:alpha val="43137"/>
+                    </a:srgbClr>
+                  </a:outerShdw>
+                </a:effectLst>
+                <a:latin typeface="微軟正黑體" pitchFamily="34" charset="-120"/>
+                <a:ea typeface="微軟正黑體" pitchFamily="34" charset="-120"/>
+              </a:rPr>
+              <a:t>你</a:t>
+            </a:r>
+            <a:r>
+              <a:rPr lang="zh-TW" altLang="en-US" sz="6600" b="1" dirty="0">
+                <a:solidFill>
+                  <a:srgbClr val="002060"/>
+                </a:solidFill>
+                <a:effectLst>
+                  <a:outerShdw blurRad="38100" dist="38100" dir="2700000" algn="tl">
+                    <a:srgbClr val="000000">
+                      <a:alpha val="43137"/>
+                    </a:srgbClr>
+                  </a:outerShdw>
+                </a:effectLst>
+                <a:latin typeface="微軟正黑體" pitchFamily="34" charset="-120"/>
+                <a:ea typeface="微軟正黑體" pitchFamily="34" charset="-120"/>
+              </a:rPr>
+              <a:t>為我祈禱</a:t>
+            </a:r>
+            <a:endParaRPr lang="en-US" altLang="zh-TW" sz="6600" b="1" dirty="0">
+              <a:solidFill>
+                <a:srgbClr val="002060"/>
+              </a:solidFill>
+              <a:effectLst>
+                <a:outerShdw blurRad="38100" dist="38100" dir="2700000" algn="tl">
+                  <a:srgbClr val="000000">
+                    <a:alpha val="43137"/>
+                  </a:srgbClr>
+                </a:outerShdw>
+              </a:effectLst>
+              <a:latin typeface="微軟正黑體" pitchFamily="34" charset="-120"/>
+              <a:ea typeface="微軟正黑體" pitchFamily="34" charset="-120"/>
+            </a:endParaRPr>
+          </a:p>
+        </p:txBody>
+      </p:sp>
+    </p:spTree>
+    <p:extLst>
+      <p:ext uri="{BB962C8B-B14F-4D97-AF65-F5344CB8AC3E}">
+        <p14:creationId xmlns:p14="http://schemas.microsoft.com/office/powerpoint/2010/main" val="2414523272"/>
+      </p:ext>
+    </p:extLst>
+  </p:cSld>
+  <p:clrMapOvr>
+    <a:masterClrMapping/>
+  </p:clrMapOvr>
+</p:sld>
+</file>
+
+<file path=ppt/slides/slide6.xml><?xml version="1.0" encoding="utf-8"?>
+<p:sld xmlns:a="http://schemas.openxmlformats.org/drawingml/2006/main" xmlns:r="http://schemas.openxmlformats.org/officeDocument/2006/relationships" xmlns:p="http://schemas.openxmlformats.org/presentationml/2006/main">
+  <p:cSld>
+    <p:spTree>
+      <p:nvGrpSpPr>
+        <p:cNvPr id="1" name=""/>
+        <p:cNvGrpSpPr/>
+        <p:nvPr/>
+      </p:nvGrpSpPr>
+      <p:grpSpPr>
+        <a:xfrm>
+          <a:off x="0" y="0"/>
+          <a:ext cx="0" cy="0"/>
+          <a:chOff x="0" y="0"/>
+          <a:chExt cx="0" cy="0"/>
+        </a:xfrm>
+      </p:grpSpPr>
+      <p:sp>
+        <p:nvSpPr>
+          <p:cNvPr id="5" name="內容版面配置區 4"/>
+          <p:cNvSpPr>
+            <a:spLocks noGrp="1"/>
+          </p:cNvSpPr>
+          <p:nvPr>
+            <p:ph idx="1"/>
+          </p:nvPr>
+        </p:nvSpPr>
+        <p:spPr>
+          <a:xfrm>
+            <a:off x="0" y="2084851"/>
+            <a:ext cx="12192000" cy="2404863"/>
+          </a:xfrm>
+        </p:spPr>
+        <p:txBody>
+          <a:bodyPr anchor="ctr">
+            <a:normAutofit/>
+          </a:bodyPr>
+          <a:lstStyle/>
+          <a:p>
+            <a:pPr marL="0" indent="0" algn="ctr">
+              <a:buNone/>
+            </a:pPr>
+            <a:r>
+              <a:rPr lang="zh-TW" altLang="en-US" sz="6600" b="1" dirty="0">
+                <a:solidFill>
+                  <a:srgbClr val="002060"/>
+                </a:solidFill>
+                <a:effectLst>
+                  <a:outerShdw blurRad="38100" dist="38100" dir="2700000" algn="tl">
+                    <a:srgbClr val="000000">
+                      <a:alpha val="43137"/>
+                    </a:srgbClr>
+                  </a:outerShdw>
+                </a:effectLst>
+                <a:latin typeface="微軟正黑體" pitchFamily="34" charset="-120"/>
+                <a:ea typeface="微軟正黑體" pitchFamily="34" charset="-120"/>
+              </a:rPr>
+              <a:t>見到快慰開心</a:t>
+            </a:r>
+            <a:r>
+              <a:rPr lang="zh-TW" altLang="en-US" sz="6600" b="1" dirty="0">
+                <a:solidFill>
+                  <a:srgbClr val="002060"/>
+                </a:solidFill>
+                <a:effectLst>
+                  <a:outerShdw blurRad="38100" dist="38100" dir="2700000" algn="tl">
+                    <a:srgbClr val="000000">
+                      <a:alpha val="43137"/>
+                    </a:srgbClr>
+                  </a:outerShdw>
+                </a:effectLst>
+                <a:latin typeface="微軟正黑體" pitchFamily="34" charset="-120"/>
+                <a:ea typeface="微軟正黑體" pitchFamily="34" charset="-120"/>
+              </a:rPr>
+              <a:t>事</a:t>
+            </a:r>
+            <a:endParaRPr lang="en-US" altLang="zh-TW" sz="6600" b="1" dirty="0">
+              <a:solidFill>
+                <a:srgbClr val="002060"/>
+              </a:solidFill>
+              <a:effectLst>
+                <a:outerShdw blurRad="38100" dist="38100" dir="2700000" algn="tl">
+                  <a:srgbClr val="000000">
+                    <a:alpha val="43137"/>
+                  </a:srgbClr>
+                </a:outerShdw>
+              </a:effectLst>
+              <a:latin typeface="微軟正黑體" pitchFamily="34" charset="-120"/>
+              <a:ea typeface="微軟正黑體" pitchFamily="34" charset="-120"/>
+            </a:endParaRPr>
+          </a:p>
+          <a:p>
+            <a:pPr marL="0" indent="0" algn="ctr">
+              <a:buNone/>
+            </a:pPr>
+            <a:r>
+              <a:rPr lang="zh-TW" altLang="en-US" sz="6600" b="1" dirty="0">
+                <a:solidFill>
+                  <a:srgbClr val="002060"/>
+                </a:solidFill>
+                <a:effectLst>
+                  <a:outerShdw blurRad="38100" dist="38100" dir="2700000" algn="tl">
+                    <a:srgbClr val="000000">
+                      <a:alpha val="43137"/>
+                    </a:srgbClr>
+                  </a:outerShdw>
+                </a:effectLst>
+                <a:latin typeface="微軟正黑體" pitchFamily="34" charset="-120"/>
+                <a:ea typeface="微軟正黑體" pitchFamily="34" charset="-120"/>
+              </a:rPr>
+              <a:t>但</a:t>
+            </a:r>
+            <a:r>
+              <a:rPr lang="zh-TW" altLang="en-US" sz="6600" b="1" dirty="0">
+                <a:solidFill>
+                  <a:srgbClr val="002060"/>
+                </a:solidFill>
+                <a:effectLst>
+                  <a:outerShdw blurRad="38100" dist="38100" dir="2700000" algn="tl">
+                    <a:srgbClr val="000000">
+                      <a:alpha val="43137"/>
+                    </a:srgbClr>
+                  </a:outerShdw>
+                </a:effectLst>
+                <a:latin typeface="微軟正黑體" pitchFamily="34" charset="-120"/>
+                <a:ea typeface="微軟正黑體" pitchFamily="34" charset="-120"/>
+              </a:rPr>
+              <a:t>願樣樣你分嚐</a:t>
+            </a:r>
+            <a:endParaRPr lang="en-US" altLang="zh-TW" sz="6600" b="1" dirty="0">
+              <a:solidFill>
+                <a:srgbClr val="002060"/>
+              </a:solidFill>
+              <a:effectLst>
+                <a:outerShdw blurRad="38100" dist="38100" dir="2700000" algn="tl">
+                  <a:srgbClr val="000000">
+                    <a:alpha val="43137"/>
+                  </a:srgbClr>
+                </a:outerShdw>
+              </a:effectLst>
+              <a:latin typeface="微軟正黑體" pitchFamily="34" charset="-120"/>
+              <a:ea typeface="微軟正黑體" pitchFamily="34" charset="-120"/>
+            </a:endParaRPr>
+          </a:p>
+        </p:txBody>
+      </p:sp>
+    </p:spTree>
+    <p:extLst>
+      <p:ext uri="{BB962C8B-B14F-4D97-AF65-F5344CB8AC3E}">
+        <p14:creationId xmlns:p14="http://schemas.microsoft.com/office/powerpoint/2010/main" val="2208185957"/>
+      </p:ext>
+    </p:extLst>
+  </p:cSld>
+  <p:clrMapOvr>
+    <a:masterClrMapping/>
+  </p:clrMapOvr>
+</p:sld>
+</file>
+
+<file path=ppt/slides/slide7.xml><?xml version="1.0" encoding="utf-8"?>
+<p:sld xmlns:a="http://schemas.openxmlformats.org/drawingml/2006/main" xmlns:r="http://schemas.openxmlformats.org/officeDocument/2006/relationships" xmlns:p="http://schemas.openxmlformats.org/presentationml/2006/main">
+  <p:cSld>
+    <p:spTree>
+      <p:nvGrpSpPr>
+        <p:cNvPr id="1" name=""/>
+        <p:cNvGrpSpPr/>
+        <p:nvPr/>
+      </p:nvGrpSpPr>
+      <p:grpSpPr>
+        <a:xfrm>
+          <a:off x="0" y="0"/>
+          <a:ext cx="0" cy="0"/>
+          <a:chOff x="0" y="0"/>
+          <a:chExt cx="0" cy="0"/>
+        </a:xfrm>
+      </p:grpSpPr>
+      <p:sp>
+        <p:nvSpPr>
+          <p:cNvPr id="5" name="內容版面配置區 4"/>
+          <p:cNvSpPr>
+            <a:spLocks noGrp="1"/>
+          </p:cNvSpPr>
+          <p:nvPr>
+            <p:ph idx="1"/>
+          </p:nvPr>
+        </p:nvSpPr>
+        <p:spPr>
+          <a:xfrm>
+            <a:off x="0" y="2084851"/>
+            <a:ext cx="12192000" cy="2404863"/>
+          </a:xfrm>
+        </p:spPr>
+        <p:txBody>
+          <a:bodyPr anchor="ctr">
+            <a:normAutofit/>
+          </a:bodyPr>
+          <a:lstStyle/>
+          <a:p>
+            <a:pPr marL="0" indent="0" algn="ctr">
+              <a:buNone/>
+            </a:pPr>
+            <a:r>
+              <a:rPr lang="zh-TW" altLang="en-US" sz="6600" b="1" dirty="0">
+                <a:solidFill>
+                  <a:srgbClr val="002060"/>
+                </a:solidFill>
+                <a:effectLst>
+                  <a:outerShdw blurRad="38100" dist="38100" dir="2700000" algn="tl">
+                    <a:srgbClr val="000000">
+                      <a:alpha val="43137"/>
+                    </a:srgbClr>
+                  </a:outerShdw>
+                </a:effectLst>
+                <a:latin typeface="微軟正黑體" pitchFamily="34" charset="-120"/>
+                <a:ea typeface="微軟正黑體" pitchFamily="34" charset="-120"/>
+              </a:rPr>
+              <a:t>為你感謝</a:t>
+            </a:r>
+            <a:r>
+              <a:rPr lang="zh-TW" altLang="en-US" sz="6600" b="1" dirty="0">
+                <a:solidFill>
+                  <a:srgbClr val="002060"/>
+                </a:solidFill>
+                <a:effectLst>
+                  <a:outerShdw blurRad="38100" dist="38100" dir="2700000" algn="tl">
+                    <a:srgbClr val="000000">
+                      <a:alpha val="43137"/>
+                    </a:srgbClr>
+                  </a:outerShdw>
+                </a:effectLst>
+                <a:latin typeface="微軟正黑體" pitchFamily="34" charset="-120"/>
+                <a:ea typeface="微軟正黑體" pitchFamily="34" charset="-120"/>
+              </a:rPr>
+              <a:t>神</a:t>
+            </a:r>
+            <a:endParaRPr lang="en-US" altLang="zh-TW" sz="6600" b="1" dirty="0">
+              <a:solidFill>
+                <a:srgbClr val="002060"/>
+              </a:solidFill>
+              <a:effectLst>
+                <a:outerShdw blurRad="38100" dist="38100" dir="2700000" algn="tl">
+                  <a:srgbClr val="000000">
+                    <a:alpha val="43137"/>
+                  </a:srgbClr>
+                </a:outerShdw>
+              </a:effectLst>
+              <a:latin typeface="微軟正黑體" pitchFamily="34" charset="-120"/>
+              <a:ea typeface="微軟正黑體" pitchFamily="34" charset="-120"/>
+            </a:endParaRPr>
+          </a:p>
+          <a:p>
+            <a:pPr marL="0" indent="0" algn="ctr">
+              <a:buNone/>
+            </a:pPr>
+            <a:r>
+              <a:rPr lang="zh-TW" altLang="en-US" sz="6600" b="1" dirty="0">
+                <a:solidFill>
+                  <a:srgbClr val="002060"/>
+                </a:solidFill>
+                <a:effectLst>
+                  <a:outerShdw blurRad="38100" dist="38100" dir="2700000" algn="tl">
+                    <a:srgbClr val="000000">
+                      <a:alpha val="43137"/>
+                    </a:srgbClr>
+                  </a:outerShdw>
+                </a:effectLst>
+                <a:latin typeface="微軟正黑體" pitchFamily="34" charset="-120"/>
+                <a:ea typeface="微軟正黑體" pitchFamily="34" charset="-120"/>
+              </a:rPr>
+              <a:t>同</a:t>
+            </a:r>
+            <a:r>
+              <a:rPr lang="zh-TW" altLang="en-US" sz="6600" b="1" dirty="0">
+                <a:solidFill>
+                  <a:srgbClr val="002060"/>
+                </a:solidFill>
+                <a:effectLst>
+                  <a:outerShdw blurRad="38100" dist="38100" dir="2700000" algn="tl">
+                    <a:srgbClr val="000000">
+                      <a:alpha val="43137"/>
+                    </a:srgbClr>
+                  </a:outerShdw>
+                </a:effectLst>
+                <a:latin typeface="微軟正黑體" pitchFamily="34" charset="-120"/>
+                <a:ea typeface="微軟正黑體" pitchFamily="34" charset="-120"/>
+              </a:rPr>
+              <a:t>路極珍貴</a:t>
+            </a:r>
+            <a:endParaRPr lang="vi-VN" sz="6600" b="1" dirty="0">
+              <a:solidFill>
+                <a:srgbClr val="002060"/>
+              </a:solidFill>
+              <a:effectLst>
+                <a:outerShdw blurRad="38100" dist="38100" dir="2700000" algn="tl">
+                  <a:srgbClr val="000000">
+                    <a:alpha val="43137"/>
+                  </a:srgbClr>
+                </a:outerShdw>
+              </a:effectLst>
+              <a:latin typeface="微軟正黑體" pitchFamily="34" charset="-120"/>
+              <a:ea typeface="微軟正黑體" pitchFamily="34" charset="-120"/>
+            </a:endParaRPr>
+          </a:p>
+        </p:txBody>
+      </p:sp>
+    </p:spTree>
+    <p:extLst>
+      <p:ext uri="{BB962C8B-B14F-4D97-AF65-F5344CB8AC3E}">
+        <p14:creationId xmlns:p14="http://schemas.microsoft.com/office/powerpoint/2010/main" val="1500303814"/>
+      </p:ext>
+    </p:extLst>
+  </p:cSld>
+  <p:clrMapOvr>
+    <a:masterClrMapping/>
+  </p:clrMapOvr>
+</p:sld>
+</file>
+
+<file path=ppt/slides/slide8.xml><?xml version="1.0" encoding="utf-8"?>
+<p:sld xmlns:a="http://schemas.openxmlformats.org/drawingml/2006/main" xmlns:r="http://schemas.openxmlformats.org/officeDocument/2006/relationships" xmlns:p="http://schemas.openxmlformats.org/presentationml/2006/main">
+  <p:cSld>
+    <p:spTree>
+      <p:nvGrpSpPr>
+        <p:cNvPr id="1" name=""/>
+        <p:cNvGrpSpPr/>
+        <p:nvPr/>
+      </p:nvGrpSpPr>
+      <p:grpSpPr>
+        <a:xfrm>
+          <a:off x="0" y="0"/>
+          <a:ext cx="0" cy="0"/>
+          <a:chOff x="0" y="0"/>
+          <a:chExt cx="0" cy="0"/>
+        </a:xfrm>
+      </p:grpSpPr>
+      <p:sp>
+        <p:nvSpPr>
+          <p:cNvPr id="5" name="內容版面配置區 4"/>
+          <p:cNvSpPr>
+            <a:spLocks noGrp="1"/>
+          </p:cNvSpPr>
+          <p:nvPr>
+            <p:ph idx="1"/>
+          </p:nvPr>
+        </p:nvSpPr>
+        <p:spPr>
+          <a:xfrm>
+            <a:off x="0" y="2084851"/>
+            <a:ext cx="12192000" cy="2404863"/>
+          </a:xfrm>
+        </p:spPr>
+        <p:txBody>
+          <a:bodyPr anchor="ctr">
+            <a:normAutofit/>
+          </a:bodyPr>
+          <a:lstStyle/>
+          <a:p>
+            <a:pPr marL="0" indent="0" algn="ctr">
+              <a:buNone/>
+            </a:pPr>
+            <a:r>
+              <a:rPr lang="zh-TW" altLang="en-US" sz="6600" b="1" dirty="0">
+                <a:solidFill>
+                  <a:srgbClr val="002060"/>
+                </a:solidFill>
+                <a:effectLst>
+                  <a:outerShdw blurRad="38100" dist="38100" dir="2700000" algn="tl">
+                    <a:srgbClr val="000000">
+                      <a:alpha val="43137"/>
+                    </a:srgbClr>
+                  </a:outerShdw>
+                </a:effectLst>
+                <a:latin typeface="微軟正黑體" pitchFamily="34" charset="-120"/>
+                <a:ea typeface="微軟正黑體" pitchFamily="34" charset="-120"/>
+              </a:rPr>
+              <a:t>自你同上路  懷內滿興奮</a:t>
+            </a:r>
+            <a:endParaRPr lang="en-US" altLang="zh-TW" sz="6600" b="1" dirty="0">
+              <a:solidFill>
+                <a:srgbClr val="002060"/>
+              </a:solidFill>
+              <a:effectLst>
+                <a:outerShdw blurRad="38100" dist="38100" dir="2700000" algn="tl">
+                  <a:srgbClr val="000000">
+                    <a:alpha val="43137"/>
+                  </a:srgbClr>
+                </a:outerShdw>
+              </a:effectLst>
+              <a:latin typeface="微軟正黑體" pitchFamily="34" charset="-120"/>
+              <a:ea typeface="微軟正黑體" pitchFamily="34" charset="-120"/>
+            </a:endParaRPr>
+          </a:p>
+          <a:p>
+            <a:pPr marL="0" indent="0" algn="ctr">
+              <a:buNone/>
+            </a:pPr>
+            <a:r>
+              <a:rPr lang="zh-TW" altLang="en-US" sz="6600" b="1" dirty="0">
+                <a:solidFill>
+                  <a:srgbClr val="002060"/>
+                </a:solidFill>
+                <a:effectLst>
+                  <a:outerShdw blurRad="38100" dist="38100" dir="2700000" algn="tl">
+                    <a:srgbClr val="000000">
+                      <a:alpha val="43137"/>
+                    </a:srgbClr>
+                  </a:outerShdw>
+                </a:effectLst>
+                <a:latin typeface="微軟正黑體" pitchFamily="34" charset="-120"/>
+                <a:ea typeface="微軟正黑體" pitchFamily="34" charset="-120"/>
+              </a:rPr>
+              <a:t>同實現真理  路遠能呼應</a:t>
+            </a:r>
+            <a:endParaRPr lang="en-US" altLang="zh-TW" sz="6600" b="1" dirty="0">
+              <a:solidFill>
+                <a:srgbClr val="002060"/>
+              </a:solidFill>
+              <a:effectLst>
+                <a:outerShdw blurRad="38100" dist="38100" dir="2700000" algn="tl">
+                  <a:srgbClr val="000000">
+                    <a:alpha val="43137"/>
+                  </a:srgbClr>
+                </a:outerShdw>
+              </a:effectLst>
+              <a:latin typeface="微軟正黑體" pitchFamily="34" charset="-120"/>
+              <a:ea typeface="微軟正黑體" pitchFamily="34" charset="-120"/>
+            </a:endParaRPr>
+          </a:p>
+        </p:txBody>
+      </p:sp>
+      <p:sp>
+        <p:nvSpPr>
+          <p:cNvPr id="3" name="TextBox 2"/>
+          <p:cNvSpPr txBox="1"/>
+          <p:nvPr/>
+        </p:nvSpPr>
+        <p:spPr>
+          <a:xfrm>
+            <a:off x="440267" y="2290768"/>
+            <a:ext cx="897467" cy="1015663"/>
+          </a:xfrm>
+          <a:prstGeom prst="rect">
+            <a:avLst/>
+          </a:prstGeom>
+          <a:noFill/>
+        </p:spPr>
+        <p:txBody>
+          <a:bodyPr wrap="square" rtlCol="0">
+            <a:spAutoFit/>
+          </a:bodyPr>
+          <a:lstStyle/>
+          <a:p>
+            <a:r>
+              <a:rPr lang="en-US" sz="6000" b="1" dirty="0">
+                <a:solidFill>
+                  <a:srgbClr val="002060"/>
+                </a:solidFill>
+                <a:effectLst>
+                  <a:outerShdw blurRad="38100" dist="38100" dir="2700000" algn="tl">
+                    <a:srgbClr val="000000">
+                      <a:alpha val="43137"/>
+                    </a:srgbClr>
+                  </a:outerShdw>
+                </a:effectLst>
+              </a:rPr>
+              <a:t>2</a:t>
+            </a:r>
+            <a:r>
+              <a:rPr lang="en-US" sz="6000" b="1" dirty="0" smtClean="0">
+                <a:solidFill>
+                  <a:srgbClr val="002060"/>
+                </a:solidFill>
+                <a:effectLst>
+                  <a:outerShdw blurRad="38100" dist="38100" dir="2700000" algn="tl">
+                    <a:srgbClr val="000000">
+                      <a:alpha val="43137"/>
+                    </a:srgbClr>
+                  </a:outerShdw>
+                </a:effectLst>
+              </a:rPr>
+              <a:t>.</a:t>
+            </a:r>
+            <a:endParaRPr lang="vi-VN" sz="6000" b="1" dirty="0">
+              <a:solidFill>
+                <a:srgbClr val="002060"/>
+              </a:solidFill>
+              <a:effectLst>
+                <a:outerShdw blurRad="38100" dist="38100" dir="2700000" algn="tl">
+                  <a:srgbClr val="000000">
+                    <a:alpha val="43137"/>
+                  </a:srgbClr>
+                </a:outerShdw>
+              </a:effectLst>
+            </a:endParaRPr>
+          </a:p>
+        </p:txBody>
+      </p:sp>
+    </p:spTree>
+    <p:extLst>
+      <p:ext uri="{BB962C8B-B14F-4D97-AF65-F5344CB8AC3E}">
+        <p14:creationId xmlns:p14="http://schemas.microsoft.com/office/powerpoint/2010/main" val="688768892"/>
+      </p:ext>
+    </p:extLst>
+  </p:cSld>
+  <p:clrMapOvr>
+    <a:masterClrMapping/>
+  </p:clrMapOvr>
+</p:sld>
+</file>
+
+<file path=ppt/slides/slide9.xml><?xml version="1.0" encoding="utf-8"?>
+<p:sld xmlns:a="http://schemas.openxmlformats.org/drawingml/2006/main" xmlns:r="http://schemas.openxmlformats.org/officeDocument/2006/relationships" xmlns:p="http://schemas.openxmlformats.org/presentationml/2006/main">
+  <p:cSld>
+    <p:spTree>
+      <p:nvGrpSpPr>
+        <p:cNvPr id="1" name=""/>
+        <p:cNvGrpSpPr/>
+        <p:nvPr/>
+      </p:nvGrpSpPr>
+      <p:grpSpPr>
+        <a:xfrm>
+          <a:off x="0" y="0"/>
+          <a:ext cx="0" cy="0"/>
+          <a:chOff x="0" y="0"/>
+          <a:chExt cx="0" cy="0"/>
+        </a:xfrm>
+      </p:grpSpPr>
+      <p:sp>
+        <p:nvSpPr>
+          <p:cNvPr id="5" name="內容版面配置區 4"/>
+          <p:cNvSpPr>
+            <a:spLocks noGrp="1"/>
+          </p:cNvSpPr>
+          <p:nvPr>
+            <p:ph idx="1"/>
+          </p:nvPr>
+        </p:nvSpPr>
+        <p:spPr>
+          <a:xfrm>
+            <a:off x="0" y="2084851"/>
+            <a:ext cx="12192000" cy="2404863"/>
+          </a:xfrm>
+        </p:spPr>
+        <p:txBody>
+          <a:bodyPr anchor="ctr">
+            <a:normAutofit/>
+          </a:bodyPr>
+          <a:lstStyle/>
+          <a:p>
+            <a:pPr marL="0" indent="0" algn="ctr">
+              <a:buNone/>
+            </a:pPr>
+            <a:r>
+              <a:rPr lang="zh-TW" altLang="en-US" sz="6600" b="1" dirty="0">
+                <a:solidFill>
+                  <a:srgbClr val="002060"/>
+                </a:solidFill>
+                <a:effectLst>
+                  <a:outerShdw blurRad="38100" dist="38100" dir="2700000" algn="tl">
+                    <a:srgbClr val="000000">
+                      <a:alpha val="43137"/>
+                    </a:srgbClr>
+                  </a:outerShdw>
+                </a:effectLst>
+                <a:latin typeface="微軟正黑體" pitchFamily="34" charset="-120"/>
+                <a:ea typeface="微軟正黑體" pitchFamily="34" charset="-120"/>
+              </a:rPr>
+              <a:t>俗世多圈套  常望你督責</a:t>
+            </a:r>
+            <a:endParaRPr lang="en-US" altLang="zh-TW" sz="6600" b="1" dirty="0">
+              <a:solidFill>
+                <a:srgbClr val="002060"/>
+              </a:solidFill>
+              <a:effectLst>
+                <a:outerShdw blurRad="38100" dist="38100" dir="2700000" algn="tl">
+                  <a:srgbClr val="000000">
+                    <a:alpha val="43137"/>
+                  </a:srgbClr>
+                </a:outerShdw>
+              </a:effectLst>
+              <a:latin typeface="微軟正黑體" pitchFamily="34" charset="-120"/>
+              <a:ea typeface="微軟正黑體" pitchFamily="34" charset="-120"/>
+            </a:endParaRPr>
+          </a:p>
+          <a:p>
+            <a:pPr marL="0" indent="0" algn="ctr">
+              <a:buNone/>
+            </a:pPr>
+            <a:r>
+              <a:rPr lang="zh-TW" altLang="en-US" sz="6600" b="1" dirty="0">
+                <a:solidFill>
+                  <a:srgbClr val="002060"/>
+                </a:solidFill>
+                <a:effectLst>
+                  <a:outerShdw blurRad="38100" dist="38100" dir="2700000" algn="tl">
+                    <a:srgbClr val="000000">
+                      <a:alpha val="43137"/>
+                    </a:srgbClr>
+                  </a:outerShdw>
+                </a:effectLst>
+                <a:latin typeface="微軟正黑體" pitchFamily="34" charset="-120"/>
+                <a:ea typeface="微軟正黑體" pitchFamily="34" charset="-120"/>
+              </a:rPr>
+              <a:t>求為我祝福  努力不後退</a:t>
+            </a:r>
+            <a:endParaRPr lang="vi-VN" sz="6600" b="1" dirty="0">
+              <a:solidFill>
+                <a:srgbClr val="002060"/>
+              </a:solidFill>
+              <a:effectLst>
+                <a:outerShdw blurRad="38100" dist="38100" dir="2700000" algn="tl">
+                  <a:srgbClr val="000000">
+                    <a:alpha val="43137"/>
+                  </a:srgbClr>
+                </a:outerShdw>
+              </a:effectLst>
+              <a:latin typeface="微軟正黑體" pitchFamily="34" charset="-120"/>
+              <a:ea typeface="微軟正黑體" pitchFamily="34" charset="-120"/>
+            </a:endParaRPr>
+          </a:p>
+        </p:txBody>
+      </p:sp>
+      <p:sp>
+        <p:nvSpPr>
+          <p:cNvPr id="3" name="TextBox 2"/>
+          <p:cNvSpPr txBox="1"/>
+          <p:nvPr/>
+        </p:nvSpPr>
+        <p:spPr>
+          <a:xfrm>
+            <a:off x="440267" y="2290768"/>
+            <a:ext cx="897467" cy="1015663"/>
+          </a:xfrm>
+          <a:prstGeom prst="rect">
+            <a:avLst/>
+          </a:prstGeom>
+          <a:noFill/>
+        </p:spPr>
+        <p:txBody>
+          <a:bodyPr wrap="square" rtlCol="0">
+            <a:spAutoFit/>
+          </a:bodyPr>
+          <a:lstStyle/>
+          <a:p>
+            <a:r>
+              <a:rPr lang="en-US" sz="6000" b="1" dirty="0">
+                <a:solidFill>
+                  <a:srgbClr val="002060"/>
+                </a:solidFill>
+                <a:effectLst>
+                  <a:outerShdw blurRad="38100" dist="38100" dir="2700000" algn="tl">
+                    <a:srgbClr val="000000">
+                      <a:alpha val="43137"/>
+                    </a:srgbClr>
+                  </a:outerShdw>
+                </a:effectLst>
+              </a:rPr>
+              <a:t>2</a:t>
+            </a:r>
+            <a:r>
+              <a:rPr lang="en-US" sz="6000" b="1" dirty="0" smtClean="0">
+                <a:solidFill>
+                  <a:srgbClr val="002060"/>
+                </a:solidFill>
+                <a:effectLst>
+                  <a:outerShdw blurRad="38100" dist="38100" dir="2700000" algn="tl">
+                    <a:srgbClr val="000000">
+                      <a:alpha val="43137"/>
+                    </a:srgbClr>
+                  </a:outerShdw>
+                </a:effectLst>
+              </a:rPr>
+              <a:t>.</a:t>
+            </a:r>
+            <a:endParaRPr lang="vi-VN" sz="6000" b="1" dirty="0">
+              <a:solidFill>
+                <a:srgbClr val="002060"/>
+              </a:solidFill>
+              <a:effectLst>
+                <a:outerShdw blurRad="38100" dist="38100" dir="2700000" algn="tl">
+                  <a:srgbClr val="000000">
+                    <a:alpha val="43137"/>
+                  </a:srgbClr>
+                </a:outerShdw>
+              </a:effectLst>
+            </a:endParaRPr>
+          </a:p>
+        </p:txBody>
+      </p:sp>
+    </p:spTree>
+    <p:extLst>
+      <p:ext uri="{BB962C8B-B14F-4D97-AF65-F5344CB8AC3E}">
+        <p14:creationId xmlns:p14="http://schemas.microsoft.com/office/powerpoint/2010/main" val="2285199316"/>
       </p:ext>
     </p:extLst>
   </p:cSld>
